--- a/meeting-4-loops/Girl Scouts LEGO Robotics - Meeting 4 - Loops.pptx
+++ b/meeting-4-loops/Girl Scouts LEGO Robotics - Meeting 4 - Loops.pptx
@@ -5,18 +5,16 @@
     <p:sldMasterId id="2147483660" r:id="rId1"/>
   </p:sldMasterIdLst>
   <p:notesMasterIdLst>
-    <p:notesMasterId r:id="rId11"/>
+    <p:notesMasterId r:id="rId9"/>
   </p:notesMasterIdLst>
   <p:sldIdLst>
     <p:sldId id="256" r:id="rId2"/>
     <p:sldId id="274" r:id="rId3"/>
-    <p:sldId id="281" r:id="rId4"/>
+    <p:sldId id="286" r:id="rId4"/>
     <p:sldId id="270" r:id="rId5"/>
-    <p:sldId id="282" r:id="rId6"/>
-    <p:sldId id="280" r:id="rId7"/>
-    <p:sldId id="283" r:id="rId8"/>
-    <p:sldId id="285" r:id="rId9"/>
-    <p:sldId id="264" r:id="rId10"/>
+    <p:sldId id="287" r:id="rId6"/>
+    <p:sldId id="285" r:id="rId7"/>
+    <p:sldId id="264" r:id="rId8"/>
   </p:sldIdLst>
   <p:sldSz cx="9144000" cy="6858000" type="screen4x3"/>
   <p:notesSz cx="6858000" cy="9144000"/>
@@ -1514,29 +1512,6 @@
       </p:sp>
       <p:sp>
         <p:nvSpPr>
-          <p:cNvPr id="4" name="Date Placeholder 3"/>
-          <p:cNvSpPr>
-            <a:spLocks noGrp="1"/>
-          </p:cNvSpPr>
-          <p:nvPr>
-            <p:ph type="dt" sz="half" idx="10"/>
-          </p:nvPr>
-        </p:nvSpPr>
-        <p:spPr/>
-        <p:txBody>
-          <a:bodyPr/>
-          <a:lstStyle/>
-          <a:p>
-            <a:fld id="{E6D547B0-6D6A-4208-9E86-F8CA1495CE74}" type="datetimeFigureOut">
-              <a:rPr lang="en-US" smtClean="0"/>
-              <a:t>7/24/2017</a:t>
-            </a:fld>
-            <a:endParaRPr lang="en-US"/>
-          </a:p>
-        </p:txBody>
-      </p:sp>
-      <p:sp>
-        <p:nvSpPr>
           <p:cNvPr id="5" name="Footer Placeholder 4"/>
           <p:cNvSpPr>
             <a:spLocks noGrp="1"/>
@@ -1556,24 +1531,76 @@
       </p:sp>
       <p:sp>
         <p:nvSpPr>
-          <p:cNvPr id="6" name="Slide Number Placeholder 5"/>
-          <p:cNvSpPr>
-            <a:spLocks noGrp="1"/>
-          </p:cNvSpPr>
-          <p:nvPr>
-            <p:ph type="sldNum" sz="quarter" idx="12"/>
-          </p:nvPr>
+          <p:cNvPr id="7" name="Rectangle 6"/>
+          <p:cNvSpPr/>
+          <p:nvPr userDrawn="1"/>
         </p:nvSpPr>
-        <p:spPr/>
+        <p:spPr>
+          <a:xfrm>
+            <a:off x="5279180" y="0"/>
+            <a:ext cx="2188420" cy="584775"/>
+          </a:xfrm>
+          <a:prstGeom prst="rect">
+            <a:avLst/>
+          </a:prstGeom>
+          <a:noFill/>
+        </p:spPr>
         <p:txBody>
-          <a:bodyPr/>
+          <a:bodyPr wrap="none" lIns="91440" tIns="45720" rIns="91440" bIns="45720">
+            <a:spAutoFit/>
+          </a:bodyPr>
           <a:lstStyle/>
           <a:p>
-            <a:fld id="{62DCB0AA-8223-4620-973F-21C2B94A1E54}" type="slidenum">
-              <a:rPr lang="en-US" smtClean="0"/>
-              <a:t>‹#›</a:t>
-            </a:fld>
-            <a:endParaRPr lang="en-US"/>
+            <a:pPr algn="ctr"/>
+            <a:r>
+              <a:rPr lang="en-US" sz="3200" b="1" cap="none" spc="0" dirty="0" err="1" smtClean="0">
+                <a:ln w="12700">
+                  <a:solidFill>
+                    <a:schemeClr val="tx2">
+                      <a:satMod val="155000"/>
+                    </a:schemeClr>
+                  </a:solidFill>
+                  <a:prstDash val="solid"/>
+                </a:ln>
+                <a:solidFill>
+                  <a:schemeClr val="bg2">
+                    <a:tint val="85000"/>
+                    <a:satMod val="155000"/>
+                  </a:schemeClr>
+                </a:solidFill>
+                <a:effectLst>
+                  <a:outerShdw blurRad="41275" dist="20320" dir="1800000" algn="tl" rotWithShape="0">
+                    <a:srgbClr val="000000">
+                      <a:alpha val="40000"/>
+                    </a:srgbClr>
+                  </a:outerShdw>
+                </a:effectLst>
+              </a:rPr>
+              <a:t>Cybergirls</a:t>
+            </a:r>
+            <a:endParaRPr lang="en-US" sz="3200" b="1" cap="none" spc="0" dirty="0">
+              <a:ln w="12700">
+                <a:solidFill>
+                  <a:schemeClr val="tx2">
+                    <a:satMod val="155000"/>
+                  </a:schemeClr>
+                </a:solidFill>
+                <a:prstDash val="solid"/>
+              </a:ln>
+              <a:solidFill>
+                <a:schemeClr val="bg2">
+                  <a:tint val="85000"/>
+                  <a:satMod val="155000"/>
+                </a:schemeClr>
+              </a:solidFill>
+              <a:effectLst>
+                <a:outerShdw blurRad="41275" dist="20320" dir="1800000" algn="tl" rotWithShape="0">
+                  <a:srgbClr val="000000">
+                    <a:alpha val="40000"/>
+                  </a:srgbClr>
+                </a:outerShdw>
+              </a:effectLst>
+            </a:endParaRPr>
           </a:p>
         </p:txBody>
       </p:sp>
@@ -9471,9 +9498,9 @@
           <p:nvPr/>
         </p:nvSpPr>
         <p:spPr>
-          <a:xfrm rot="5400000">
-            <a:off x="5540174" y="2885017"/>
-            <a:ext cx="5692584" cy="1446550"/>
+          <a:xfrm>
+            <a:off x="983901" y="1378803"/>
+            <a:ext cx="3190296" cy="830997"/>
           </a:xfrm>
           <a:prstGeom prst="rect">
             <a:avLst/>
@@ -9488,7 +9515,7 @@
           <a:p>
             <a:pPr algn="ctr"/>
             <a:r>
-              <a:rPr lang="en-US" sz="8800" b="1" cap="none" spc="0" dirty="0" err="1" smtClean="0">
+              <a:rPr lang="en-US" sz="4800" b="1" cap="none" spc="0" dirty="0" err="1" smtClean="0">
                 <a:ln w="12700">
                   <a:solidFill>
                     <a:schemeClr val="tx2">
@@ -9513,7 +9540,7 @@
               </a:rPr>
               <a:t>Cybergirls</a:t>
             </a:r>
-            <a:endParaRPr lang="en-US" sz="8800" b="1" cap="none" spc="0" dirty="0">
+            <a:endParaRPr lang="en-US" sz="4800" b="1" cap="none" spc="0" dirty="0">
               <a:ln w="12700">
                 <a:solidFill>
                   <a:schemeClr val="tx2">
@@ -9628,25 +9655,25 @@
           <a:p>
             <a:r>
               <a:rPr lang="en-US" dirty="0" smtClean="0"/>
-              <a:t>Using </a:t>
-            </a:r>
+              <a:t>Core values</a:t>
+            </a:r>
+          </a:p>
+          <a:p>
             <a:r>
               <a:rPr lang="en-US" dirty="0"/>
-              <a:t>a text </a:t>
-            </a:r>
+              <a:t>What is a loop?</a:t>
+            </a:r>
+          </a:p>
+          <a:p>
             <a:r>
               <a:rPr lang="en-US" dirty="0" smtClean="0"/>
-              <a:t>editor</a:t>
-            </a:r>
-          </a:p>
-          <a:p>
-            <a:r>
-              <a:rPr lang="en-US" smtClean="0"/>
-              <a:t>What is a loop?</a:t>
-            </a:r>
-          </a:p>
-          <a:p>
-            <a:endParaRPr lang="en-US" dirty="0"/>
+              <a:t>Building your own Fidget Spinner </a:t>
+            </a:r>
+            <a:r>
+              <a:rPr lang="en-US" dirty="0" err="1" smtClean="0"/>
+              <a:t>Spinner</a:t>
+            </a:r>
+            <a:endParaRPr lang="en-US" dirty="0" smtClean="0"/>
           </a:p>
         </p:txBody>
       </p:sp>
@@ -9704,7 +9731,7 @@
           <a:p>
             <a:r>
               <a:rPr lang="en-US" dirty="0" smtClean="0"/>
-              <a:t>Making the Motor Spin</a:t>
+              <a:t>Core Values</a:t>
             </a:r>
             <a:endParaRPr lang="en-US" dirty="0"/>
           </a:p>
@@ -9720,76 +9747,25 @@
             <p:ph idx="1"/>
           </p:nvPr>
         </p:nvSpPr>
-        <p:spPr>
-          <a:xfrm>
-            <a:off x="1043492" y="2323653"/>
-            <a:ext cx="6777317" cy="1638748"/>
-          </a:xfrm>
-        </p:spPr>
+        <p:spPr/>
         <p:txBody>
           <a:bodyPr/>
           <a:lstStyle/>
           <a:p>
-            <a:pPr lvl="1"/>
-            <a:r>
-              <a:rPr lang="en-US" dirty="0"/>
-              <a:t>m = </a:t>
-            </a:r>
-            <a:r>
-              <a:rPr lang="en-US" dirty="0" err="1"/>
-              <a:t>LargeMotor</a:t>
-            </a:r>
-            <a:r>
-              <a:rPr lang="en-US" dirty="0"/>
-              <a:t>('</a:t>
-            </a:r>
-            <a:r>
-              <a:rPr lang="en-US" dirty="0" err="1"/>
-              <a:t>outC</a:t>
-            </a:r>
-            <a:r>
-              <a:rPr lang="en-US" dirty="0"/>
-              <a:t>')</a:t>
-            </a:r>
-          </a:p>
-          <a:p>
-            <a:pPr lvl="1"/>
-            <a:r>
-              <a:rPr lang="en-US" dirty="0" err="1"/>
-              <a:t>m.run_to_rel_pos</a:t>
-            </a:r>
-            <a:r>
-              <a:rPr lang="en-US" dirty="0"/>
-              <a:t>(</a:t>
-            </a:r>
-            <a:r>
-              <a:rPr lang="en-US" dirty="0" err="1"/>
-              <a:t>position_sp</a:t>
-            </a:r>
-            <a:r>
-              <a:rPr lang="en-US" dirty="0"/>
-              <a:t>=360,speed_sp=900,stop_action="hold")</a:t>
-            </a:r>
+            <a:endParaRPr lang="en-US"/>
           </a:p>
         </p:txBody>
       </p:sp>
     </p:spTree>
     <p:extLst>
       <p:ext uri="{BB962C8B-B14F-4D97-AF65-F5344CB8AC3E}">
-        <p14:creationId xmlns:p14="http://schemas.microsoft.com/office/powerpoint/2010/main" val="3707194980"/>
+        <p14:creationId xmlns:p14="http://schemas.microsoft.com/office/powerpoint/2010/main" val="3829048220"/>
       </p:ext>
     </p:extLst>
   </p:cSld>
   <p:clrMapOvr>
     <a:masterClrMapping/>
   </p:clrMapOvr>
-  <p:timing>
-    <p:tnLst>
-      <p:par>
-        <p:cTn id="1" dur="indefinite" restart="never" nodeType="tmRoot"/>
-      </p:par>
-    </p:tnLst>
-  </p:timing>
 </p:sld>
 </file>
 
@@ -9844,45 +9820,30 @@
             </a:r>
           </a:p>
           <a:p>
+            <a:endParaRPr lang="en-US" dirty="0">
+              <a:solidFill>
+                <a:schemeClr val="bg1"/>
+              </a:solidFill>
+            </a:endParaRPr>
+          </a:p>
+          <a:p>
             <a:r>
               <a:rPr lang="en-US" dirty="0" smtClean="0">
                 <a:solidFill>
                   <a:schemeClr val="bg1"/>
                 </a:solidFill>
               </a:rPr>
-              <a:t>&gt;&gt;&gt;     </a:t>
-            </a:r>
+              <a:t>&gt;&gt;&gt;for  I in range(10):</a:t>
+            </a:r>
+          </a:p>
+          <a:p>
             <a:r>
               <a:rPr lang="en-US" dirty="0">
                 <a:solidFill>
                   <a:schemeClr val="bg1"/>
                 </a:solidFill>
               </a:rPr>
-              <a:t>m = </a:t>
-            </a:r>
-            <a:r>
-              <a:rPr lang="en-US" dirty="0" err="1">
-                <a:solidFill>
-                  <a:schemeClr val="bg1"/>
-                </a:solidFill>
-              </a:rPr>
-              <a:t>LargeMotor</a:t>
-            </a:r>
-            <a:r>
-              <a:rPr lang="en-US" dirty="0">
-                <a:solidFill>
-                  <a:schemeClr val="bg1"/>
-                </a:solidFill>
-              </a:rPr>
-              <a:t>('</a:t>
-            </a:r>
-            <a:r>
-              <a:rPr lang="en-US" dirty="0" err="1">
-                <a:solidFill>
-                  <a:schemeClr val="bg1"/>
-                </a:solidFill>
-              </a:rPr>
-              <a:t>outC</a:t>
+              <a:t> </a:t>
             </a:r>
             <a:r>
               <a:rPr lang="en-US" dirty="0" smtClean="0">
@@ -9890,95 +9851,15 @@
                   <a:schemeClr val="bg1"/>
                 </a:solidFill>
               </a:rPr>
-              <a:t>')</a:t>
-            </a:r>
-            <a:endParaRPr lang="en-US" dirty="0">
+              <a:t>   print(i)</a:t>
+            </a:r>
+          </a:p>
+          <a:p>
+            <a:endParaRPr lang="en-US" dirty="0" smtClean="0">
               <a:solidFill>
                 <a:schemeClr val="bg1"/>
               </a:solidFill>
             </a:endParaRPr>
-          </a:p>
-          <a:p>
-            <a:r>
-              <a:rPr lang="en-US" dirty="0">
-                <a:solidFill>
-                  <a:schemeClr val="bg1"/>
-                </a:solidFill>
-              </a:rPr>
-              <a:t>&gt;&gt;&gt; </a:t>
-            </a:r>
-            <a:r>
-              <a:rPr lang="en-US" dirty="0" err="1">
-                <a:solidFill>
-                  <a:schemeClr val="bg1"/>
-                </a:solidFill>
-              </a:rPr>
-              <a:t>m.run_to_rel_pos</a:t>
-            </a:r>
-            <a:r>
-              <a:rPr lang="en-US" dirty="0">
-                <a:solidFill>
-                  <a:schemeClr val="bg1"/>
-                </a:solidFill>
-              </a:rPr>
-              <a:t>(</a:t>
-            </a:r>
-            <a:r>
-              <a:rPr lang="en-US" dirty="0" err="1">
-                <a:solidFill>
-                  <a:schemeClr val="bg1"/>
-                </a:solidFill>
-              </a:rPr>
-              <a:t>position_sp</a:t>
-            </a:r>
-            <a:r>
-              <a:rPr lang="en-US" dirty="0">
-                <a:solidFill>
-                  <a:schemeClr val="bg1"/>
-                </a:solidFill>
-              </a:rPr>
-              <a:t>=360</a:t>
-            </a:r>
-            <a:r>
-              <a:rPr lang="en-US" dirty="0" smtClean="0">
-                <a:solidFill>
-                  <a:schemeClr val="bg1"/>
-                </a:solidFill>
-              </a:rPr>
-              <a:t>, </a:t>
-            </a:r>
-            <a:r>
-              <a:rPr lang="en-US" dirty="0" err="1" smtClean="0">
-                <a:solidFill>
-                  <a:schemeClr val="bg1"/>
-                </a:solidFill>
-              </a:rPr>
-              <a:t>speed_sp</a:t>
-            </a:r>
-            <a:r>
-              <a:rPr lang="en-US" dirty="0" smtClean="0">
-                <a:solidFill>
-                  <a:schemeClr val="bg1"/>
-                </a:solidFill>
-              </a:rPr>
-              <a:t>=900, </a:t>
-            </a:r>
-            <a:r>
-              <a:rPr lang="en-US" dirty="0" err="1" smtClean="0">
-                <a:solidFill>
-                  <a:schemeClr val="bg1"/>
-                </a:solidFill>
-              </a:rPr>
-              <a:t>stop_action</a:t>
-            </a:r>
-            <a:r>
-              <a:rPr lang="en-US" dirty="0">
-                <a:solidFill>
-                  <a:schemeClr val="bg1"/>
-                </a:solidFill>
-              </a:rPr>
-              <a:t>="hold")</a:t>
-            </a:r>
           </a:p>
         </p:txBody>
       </p:sp>
@@ -10000,7 +9881,7 @@
         </p:spPr>
         <p:txBody>
           <a:bodyPr>
-            <a:normAutofit fontScale="90000"/>
+            <a:normAutofit/>
           </a:bodyPr>
           <a:lstStyle/>
           <a:p>
@@ -10014,7 +9895,11 @@
             </a:r>
             <a:r>
               <a:rPr lang="en-US" dirty="0" smtClean="0"/>
-              <a:t>1 – Spin the Motor</a:t>
+              <a:t>1 – </a:t>
+            </a:r>
+            <a:r>
+              <a:rPr lang="en-US" dirty="0" smtClean="0"/>
+              <a:t>Simple loop</a:t>
             </a:r>
             <a:endParaRPr lang="en-US" dirty="0"/>
           </a:p>
@@ -10069,19 +9954,17 @@
         </p:nvSpPr>
         <p:spPr/>
         <p:txBody>
-          <a:bodyPr/>
+          <a:bodyPr>
+            <a:normAutofit fontScale="90000"/>
+          </a:bodyPr>
           <a:lstStyle/>
           <a:p>
             <a:r>
               <a:rPr lang="en-US" dirty="0" smtClean="0"/>
-              <a:t>The Fidget</a:t>
-            </a:r>
-            <a:r>
-              <a:rPr lang="en-US" baseline="0" dirty="0" smtClean="0"/>
-              <a:t> Spinner </a:t>
-            </a:r>
-            <a:r>
-              <a:rPr lang="en-US" baseline="0" dirty="0" err="1" smtClean="0"/>
+              <a:t>Build a Fidget Spinner </a:t>
+            </a:r>
+            <a:r>
+              <a:rPr lang="en-US" dirty="0" err="1" smtClean="0"/>
               <a:t>Spinner</a:t>
             </a:r>
             <a:endParaRPr lang="en-US" dirty="0"/>
@@ -10103,33 +9986,20 @@
           <a:bodyPr/>
           <a:lstStyle/>
           <a:p>
-            <a:r>
-              <a:rPr lang="en-US" dirty="0" smtClean="0"/>
-              <a:t>Same things you just learned</a:t>
-            </a:r>
-          </a:p>
-          <a:p>
-            <a:endParaRPr lang="en-US" dirty="0"/>
+            <a:endParaRPr lang="en-US"/>
           </a:p>
         </p:txBody>
       </p:sp>
     </p:spTree>
     <p:extLst>
       <p:ext uri="{BB962C8B-B14F-4D97-AF65-F5344CB8AC3E}">
-        <p14:creationId xmlns:p14="http://schemas.microsoft.com/office/powerpoint/2010/main" val="1164079298"/>
+        <p14:creationId xmlns:p14="http://schemas.microsoft.com/office/powerpoint/2010/main" val="1531325718"/>
       </p:ext>
     </p:extLst>
   </p:cSld>
   <p:clrMapOvr>
     <a:masterClrMapping/>
   </p:clrMapOvr>
-  <p:timing>
-    <p:tnLst>
-      <p:par>
-        <p:cTn id="1" dur="indefinite" restart="never" nodeType="tmRoot"/>
-      </p:par>
-    </p:tnLst>
-  </p:timing>
 </p:sld>
 </file>
 
@@ -10160,16 +10030,19 @@
             <p:ph type="title"/>
           </p:nvPr>
         </p:nvSpPr>
-        <p:spPr/>
+        <p:spPr>
+          <a:xfrm>
+            <a:off x="990600" y="304800"/>
+            <a:ext cx="7024744" cy="1143000"/>
+          </a:xfrm>
+        </p:spPr>
         <p:txBody>
-          <a:bodyPr>
-            <a:normAutofit/>
-          </a:bodyPr>
+          <a:bodyPr/>
           <a:lstStyle/>
           <a:p>
             <a:r>
               <a:rPr lang="en-US" dirty="0" smtClean="0"/>
-              <a:t>Using a Text Editor</a:t>
+              <a:t>Homework</a:t>
             </a:r>
             <a:endParaRPr lang="en-US" dirty="0"/>
           </a:p>
@@ -10185,19 +10058,399 @@
             <p:ph idx="1"/>
           </p:nvPr>
         </p:nvSpPr>
-        <p:spPr/>
+        <p:spPr>
+          <a:xfrm>
+            <a:off x="990600" y="1371600"/>
+            <a:ext cx="6777317" cy="952948"/>
+          </a:xfrm>
+        </p:spPr>
         <p:txBody>
           <a:bodyPr/>
           <a:lstStyle/>
           <a:p>
+            <a:r>
+              <a:rPr lang="en-US" dirty="0" smtClean="0"/>
+              <a:t>Write a program that </a:t>
+            </a:r>
+            <a:r>
+              <a:rPr lang="en-US" dirty="0" smtClean="0"/>
+              <a:t>uses a loop with an if statement</a:t>
+            </a:r>
+          </a:p>
+          <a:p>
             <a:endParaRPr lang="en-US" dirty="0" smtClean="0"/>
+          </a:p>
+          <a:p>
+            <a:endParaRPr lang="en-US" dirty="0"/>
+          </a:p>
+        </p:txBody>
+      </p:sp>
+      <p:sp>
+        <p:nvSpPr>
+          <p:cNvPr id="4" name="TextBox 3"/>
+          <p:cNvSpPr txBox="1"/>
+          <p:nvPr/>
+        </p:nvSpPr>
+        <p:spPr>
+          <a:xfrm>
+            <a:off x="990600" y="2209800"/>
+            <a:ext cx="7239000" cy="3810000"/>
+          </a:xfrm>
+          <a:prstGeom prst="rect">
+            <a:avLst/>
+          </a:prstGeom>
+          <a:solidFill>
+            <a:schemeClr val="tx1"/>
+          </a:solidFill>
+        </p:spPr>
+        <p:txBody>
+          <a:bodyPr wrap="square" rtlCol="0">
+            <a:noAutofit/>
+          </a:bodyPr>
+          <a:lstStyle/>
+          <a:p>
+            <a:r>
+              <a:rPr lang="en-US" dirty="0" smtClean="0">
+                <a:solidFill>
+                  <a:schemeClr val="bg1"/>
+                </a:solidFill>
+              </a:rPr>
+              <a:t>&gt;&gt;&gt;</a:t>
+            </a:r>
+            <a:r>
+              <a:rPr lang="en-US" dirty="0" err="1" smtClean="0">
+                <a:solidFill>
+                  <a:schemeClr val="bg1"/>
+                </a:solidFill>
+              </a:rPr>
+              <a:t>myage</a:t>
+            </a:r>
+            <a:r>
+              <a:rPr lang="en-US" dirty="0" smtClean="0">
+                <a:solidFill>
+                  <a:schemeClr val="bg1"/>
+                </a:solidFill>
+              </a:rPr>
+              <a:t>()</a:t>
+            </a:r>
+          </a:p>
+          <a:p>
+            <a:r>
+              <a:rPr lang="en-US" dirty="0" smtClean="0">
+                <a:solidFill>
+                  <a:schemeClr val="bg1"/>
+                </a:solidFill>
+              </a:rPr>
+              <a:t>Allie was 0 years ago a long time ago</a:t>
+            </a:r>
+            <a:endParaRPr lang="en-US" dirty="0" smtClean="0">
+              <a:solidFill>
+                <a:schemeClr val="bg1"/>
+              </a:solidFill>
+            </a:endParaRPr>
+          </a:p>
+          <a:p>
+            <a:r>
+              <a:rPr lang="en-US" dirty="0">
+                <a:solidFill>
+                  <a:schemeClr val="bg1"/>
+                </a:solidFill>
+              </a:rPr>
+              <a:t>Allie was </a:t>
+            </a:r>
+            <a:r>
+              <a:rPr lang="en-US" dirty="0" smtClean="0">
+                <a:solidFill>
+                  <a:schemeClr val="bg1"/>
+                </a:solidFill>
+              </a:rPr>
+              <a:t>1 </a:t>
+            </a:r>
+            <a:r>
+              <a:rPr lang="en-US" dirty="0">
+                <a:solidFill>
+                  <a:schemeClr val="bg1"/>
+                </a:solidFill>
+              </a:rPr>
+              <a:t>years ago a long time ago</a:t>
+            </a:r>
+          </a:p>
+          <a:p>
+            <a:r>
+              <a:rPr lang="en-US" dirty="0">
+                <a:solidFill>
+                  <a:schemeClr val="bg1"/>
+                </a:solidFill>
+              </a:rPr>
+              <a:t>Allie was </a:t>
+            </a:r>
+            <a:r>
+              <a:rPr lang="en-US" dirty="0" smtClean="0">
+                <a:solidFill>
+                  <a:schemeClr val="bg1"/>
+                </a:solidFill>
+              </a:rPr>
+              <a:t>2 </a:t>
+            </a:r>
+            <a:r>
+              <a:rPr lang="en-US" dirty="0">
+                <a:solidFill>
+                  <a:schemeClr val="bg1"/>
+                </a:solidFill>
+              </a:rPr>
+              <a:t>years ago a long time ago</a:t>
+            </a:r>
+          </a:p>
+          <a:p>
+            <a:r>
+              <a:rPr lang="en-US" dirty="0">
+                <a:solidFill>
+                  <a:schemeClr val="bg1"/>
+                </a:solidFill>
+              </a:rPr>
+              <a:t>Allie was </a:t>
+            </a:r>
+            <a:r>
+              <a:rPr lang="en-US" dirty="0" smtClean="0">
+                <a:solidFill>
+                  <a:schemeClr val="bg1"/>
+                </a:solidFill>
+              </a:rPr>
+              <a:t>3 </a:t>
+            </a:r>
+            <a:r>
+              <a:rPr lang="en-US" dirty="0">
+                <a:solidFill>
+                  <a:schemeClr val="bg1"/>
+                </a:solidFill>
+              </a:rPr>
+              <a:t>years ago a long time ago</a:t>
+            </a:r>
+          </a:p>
+          <a:p>
+            <a:r>
+              <a:rPr lang="en-US" dirty="0">
+                <a:solidFill>
+                  <a:schemeClr val="bg1"/>
+                </a:solidFill>
+              </a:rPr>
+              <a:t>Allie was </a:t>
+            </a:r>
+            <a:r>
+              <a:rPr lang="en-US" dirty="0" smtClean="0">
+                <a:solidFill>
+                  <a:schemeClr val="bg1"/>
+                </a:solidFill>
+              </a:rPr>
+              <a:t>4 </a:t>
+            </a:r>
+            <a:r>
+              <a:rPr lang="en-US" dirty="0">
+                <a:solidFill>
+                  <a:schemeClr val="bg1"/>
+                </a:solidFill>
+              </a:rPr>
+              <a:t>years ago a long time ago</a:t>
+            </a:r>
+          </a:p>
+          <a:p>
+            <a:r>
+              <a:rPr lang="en-US" dirty="0">
+                <a:solidFill>
+                  <a:schemeClr val="bg1"/>
+                </a:solidFill>
+              </a:rPr>
+              <a:t>Allie was </a:t>
+            </a:r>
+            <a:r>
+              <a:rPr lang="en-US" dirty="0" smtClean="0">
+                <a:solidFill>
+                  <a:schemeClr val="bg1"/>
+                </a:solidFill>
+              </a:rPr>
+              <a:t>5 </a:t>
+            </a:r>
+            <a:r>
+              <a:rPr lang="en-US" dirty="0">
+                <a:solidFill>
+                  <a:schemeClr val="bg1"/>
+                </a:solidFill>
+              </a:rPr>
+              <a:t>years ago a long time ago</a:t>
+            </a:r>
+          </a:p>
+          <a:p>
+            <a:r>
+              <a:rPr lang="en-US" dirty="0">
+                <a:solidFill>
+                  <a:schemeClr val="bg1"/>
+                </a:solidFill>
+              </a:rPr>
+              <a:t>Allie was </a:t>
+            </a:r>
+            <a:r>
+              <a:rPr lang="en-US" dirty="0" smtClean="0">
+                <a:solidFill>
+                  <a:schemeClr val="bg1"/>
+                </a:solidFill>
+              </a:rPr>
+              <a:t>6 </a:t>
+            </a:r>
+            <a:r>
+              <a:rPr lang="en-US" dirty="0">
+                <a:solidFill>
+                  <a:schemeClr val="bg1"/>
+                </a:solidFill>
+              </a:rPr>
+              <a:t>years ago a long time ago</a:t>
+            </a:r>
+          </a:p>
+          <a:p>
+            <a:r>
+              <a:rPr lang="en-US" dirty="0">
+                <a:solidFill>
+                  <a:schemeClr val="bg1"/>
+                </a:solidFill>
+              </a:rPr>
+              <a:t>Allie was </a:t>
+            </a:r>
+            <a:r>
+              <a:rPr lang="en-US" dirty="0" smtClean="0">
+                <a:solidFill>
+                  <a:schemeClr val="bg1"/>
+                </a:solidFill>
+              </a:rPr>
+              <a:t>7 </a:t>
+            </a:r>
+            <a:r>
+              <a:rPr lang="en-US" dirty="0">
+                <a:solidFill>
+                  <a:schemeClr val="bg1"/>
+                </a:solidFill>
+              </a:rPr>
+              <a:t>years ago a long time ago</a:t>
+            </a:r>
+          </a:p>
+          <a:p>
+            <a:r>
+              <a:rPr lang="en-US" dirty="0">
+                <a:solidFill>
+                  <a:schemeClr val="bg1"/>
+                </a:solidFill>
+              </a:rPr>
+              <a:t>Allie was </a:t>
+            </a:r>
+            <a:r>
+              <a:rPr lang="en-US" dirty="0" smtClean="0">
+                <a:solidFill>
+                  <a:schemeClr val="bg1"/>
+                </a:solidFill>
+              </a:rPr>
+              <a:t>8 </a:t>
+            </a:r>
+            <a:r>
+              <a:rPr lang="en-US" dirty="0">
+                <a:solidFill>
+                  <a:schemeClr val="bg1"/>
+                </a:solidFill>
+              </a:rPr>
+              <a:t>years ago a long time ago</a:t>
+            </a:r>
+          </a:p>
+          <a:p>
+            <a:r>
+              <a:rPr lang="en-US" dirty="0">
+                <a:solidFill>
+                  <a:schemeClr val="bg1"/>
+                </a:solidFill>
+              </a:rPr>
+              <a:t>Allie was </a:t>
+            </a:r>
+            <a:r>
+              <a:rPr lang="en-US" dirty="0" smtClean="0">
+                <a:solidFill>
+                  <a:schemeClr val="bg1"/>
+                </a:solidFill>
+              </a:rPr>
+              <a:t>9 </a:t>
+            </a:r>
+            <a:r>
+              <a:rPr lang="en-US" dirty="0">
+                <a:solidFill>
+                  <a:schemeClr val="bg1"/>
+                </a:solidFill>
+              </a:rPr>
+              <a:t>years ago a long time ago</a:t>
+            </a:r>
+          </a:p>
+          <a:p>
+            <a:r>
+              <a:rPr lang="en-US" dirty="0">
+                <a:solidFill>
+                  <a:schemeClr val="bg1"/>
+                </a:solidFill>
+              </a:rPr>
+              <a:t>Allie was </a:t>
+            </a:r>
+            <a:r>
+              <a:rPr lang="en-US" dirty="0" smtClean="0">
+                <a:solidFill>
+                  <a:schemeClr val="bg1"/>
+                </a:solidFill>
+              </a:rPr>
+              <a:t>10 </a:t>
+            </a:r>
+            <a:r>
+              <a:rPr lang="en-US" dirty="0">
+                <a:solidFill>
+                  <a:schemeClr val="bg1"/>
+                </a:solidFill>
+              </a:rPr>
+              <a:t>years ago a long time ago</a:t>
+            </a:r>
+          </a:p>
+          <a:p>
+            <a:r>
+              <a:rPr lang="en-US" dirty="0" smtClean="0">
+                <a:solidFill>
+                  <a:schemeClr val="bg1"/>
+                </a:solidFill>
+              </a:rPr>
+              <a:t>Allie is 11 today!</a:t>
+            </a:r>
+            <a:endParaRPr lang="en-US" dirty="0">
+              <a:solidFill>
+                <a:schemeClr val="bg1"/>
+              </a:solidFill>
+            </a:endParaRPr>
+          </a:p>
+          <a:p>
+            <a:endParaRPr lang="en-US" dirty="0" smtClean="0">
+              <a:solidFill>
+                <a:schemeClr val="bg1"/>
+              </a:solidFill>
+            </a:endParaRPr>
+          </a:p>
+          <a:p>
+            <a:endParaRPr lang="en-US" dirty="0" smtClean="0">
+              <a:solidFill>
+                <a:schemeClr val="bg1"/>
+              </a:solidFill>
+            </a:endParaRPr>
+          </a:p>
+          <a:p>
+            <a:endParaRPr lang="en-US" dirty="0" smtClean="0">
+              <a:solidFill>
+                <a:schemeClr val="bg1"/>
+              </a:solidFill>
+            </a:endParaRPr>
           </a:p>
         </p:txBody>
       </p:sp>
     </p:spTree>
     <p:extLst>
       <p:ext uri="{BB962C8B-B14F-4D97-AF65-F5344CB8AC3E}">
-        <p14:creationId xmlns:p14="http://schemas.microsoft.com/office/powerpoint/2010/main" val="1436682877"/>
+        <p14:creationId xmlns:p14="http://schemas.microsoft.com/office/powerpoint/2010/main" val="486156508"/>
       </p:ext>
     </p:extLst>
   </p:cSld>
@@ -10243,14 +10496,16 @@
         </p:nvSpPr>
         <p:spPr/>
         <p:txBody>
-          <a:bodyPr>
-            <a:normAutofit/>
-          </a:bodyPr>
+          <a:bodyPr/>
           <a:lstStyle/>
           <a:p>
             <a:r>
               <a:rPr lang="en-US" dirty="0" smtClean="0"/>
-              <a:t>Conditionals</a:t>
+              <a:t>Next</a:t>
+            </a:r>
+            <a:r>
+              <a:rPr lang="en-US" baseline="0" dirty="0" smtClean="0"/>
+              <a:t> Meeting</a:t>
             </a:r>
             <a:endParaRPr lang="en-US" dirty="0"/>
           </a:p>
@@ -10271,232 +10526,11 @@
           <a:bodyPr/>
           <a:lstStyle/>
           <a:p>
-            <a:pPr lvl="1"/>
             <a:r>
               <a:rPr lang="en-US" dirty="0" smtClean="0"/>
-              <a:t>IF…ELSE</a:t>
-            </a:r>
-          </a:p>
-          <a:p>
-            <a:pPr lvl="1"/>
-            <a:r>
-              <a:rPr lang="en-US" dirty="0" smtClean="0"/>
-              <a:t>if flip == 1:</a:t>
-            </a:r>
-          </a:p>
-          <a:p>
-            <a:pPr lvl="2"/>
-            <a:r>
-              <a:rPr lang="en-US" dirty="0" err="1" smtClean="0"/>
-              <a:t>sound.speak</a:t>
-            </a:r>
-            <a:r>
-              <a:rPr lang="en-US" dirty="0" smtClean="0"/>
-              <a:t>(“heads”).</a:t>
-            </a:r>
-            <a:r>
-              <a:rPr lang="en-US" dirty="0"/>
-              <a:t>wait</a:t>
-            </a:r>
-            <a:r>
-              <a:rPr lang="en-US" dirty="0" smtClean="0"/>
-              <a:t>()</a:t>
-            </a:r>
-          </a:p>
-          <a:p>
-            <a:pPr lvl="1"/>
-            <a:r>
-              <a:rPr lang="en-US" dirty="0" smtClean="0"/>
-              <a:t>Else:</a:t>
-            </a:r>
-          </a:p>
-          <a:p>
-            <a:pPr lvl="2"/>
-            <a:r>
-              <a:rPr lang="en-US" dirty="0" err="1"/>
-              <a:t>sound.speak</a:t>
-            </a:r>
-            <a:r>
-              <a:rPr lang="en-US" smtClean="0"/>
-              <a:t>(“tails”).</a:t>
-            </a:r>
-            <a:r>
-              <a:rPr lang="en-US" dirty="0"/>
-              <a:t>wait()</a:t>
-            </a:r>
-          </a:p>
-          <a:p>
-            <a:pPr lvl="2"/>
-            <a:endParaRPr lang="en-US" dirty="0"/>
-          </a:p>
-        </p:txBody>
-      </p:sp>
-    </p:spTree>
-    <p:extLst>
-      <p:ext uri="{BB962C8B-B14F-4D97-AF65-F5344CB8AC3E}">
-        <p14:creationId xmlns:p14="http://schemas.microsoft.com/office/powerpoint/2010/main" val="4022852269"/>
-      </p:ext>
-    </p:extLst>
-  </p:cSld>
-  <p:clrMapOvr>
-    <a:masterClrMapping/>
-  </p:clrMapOvr>
-  <p:timing>
-    <p:tnLst>
-      <p:par>
-        <p:cTn id="1" dur="indefinite" restart="never" nodeType="tmRoot"/>
-      </p:par>
-    </p:tnLst>
-  </p:timing>
-</p:sld>
-</file>
-
-<file path=ppt/slides/slide8.xml><?xml version="1.0" encoding="utf-8"?>
-<p:sld xmlns:a="http://schemas.openxmlformats.org/drawingml/2006/main" xmlns:r="http://schemas.openxmlformats.org/officeDocument/2006/relationships" xmlns:p="http://schemas.openxmlformats.org/presentationml/2006/main">
-  <p:cSld>
-    <p:spTree>
-      <p:nvGrpSpPr>
-        <p:cNvPr id="1" name=""/>
-        <p:cNvGrpSpPr/>
-        <p:nvPr/>
-      </p:nvGrpSpPr>
-      <p:grpSpPr>
-        <a:xfrm>
-          <a:off x="0" y="0"/>
-          <a:ext cx="0" cy="0"/>
-          <a:chOff x="0" y="0"/>
-          <a:chExt cx="0" cy="0"/>
-        </a:xfrm>
-      </p:grpSpPr>
-      <p:sp>
-        <p:nvSpPr>
-          <p:cNvPr id="2" name="Title 1"/>
-          <p:cNvSpPr>
-            <a:spLocks noGrp="1"/>
-          </p:cNvSpPr>
-          <p:nvPr>
-            <p:ph type="title"/>
-          </p:nvPr>
-        </p:nvSpPr>
-        <p:spPr/>
-        <p:txBody>
-          <a:bodyPr/>
-          <a:lstStyle/>
-          <a:p>
-            <a:r>
-              <a:rPr lang="en-US" dirty="0" smtClean="0"/>
-              <a:t>Homework</a:t>
-            </a:r>
-            <a:endParaRPr lang="en-US" dirty="0"/>
-          </a:p>
-        </p:txBody>
-      </p:sp>
-      <p:sp>
-        <p:nvSpPr>
-          <p:cNvPr id="3" name="Content Placeholder 2"/>
-          <p:cNvSpPr>
-            <a:spLocks noGrp="1"/>
-          </p:cNvSpPr>
-          <p:nvPr>
-            <p:ph idx="1"/>
-          </p:nvPr>
-        </p:nvSpPr>
-        <p:spPr/>
-        <p:txBody>
-          <a:bodyPr/>
-          <a:lstStyle/>
-          <a:p>
-            <a:r>
-              <a:rPr lang="en-US" dirty="0" smtClean="0"/>
-              <a:t>Write a program that accepts your first and last name and then prints them combined</a:t>
-            </a:r>
-            <a:endParaRPr lang="en-US" dirty="0"/>
-          </a:p>
-        </p:txBody>
-      </p:sp>
-    </p:spTree>
-    <p:extLst>
-      <p:ext uri="{BB962C8B-B14F-4D97-AF65-F5344CB8AC3E}">
-        <p14:creationId xmlns:p14="http://schemas.microsoft.com/office/powerpoint/2010/main" val="486156508"/>
-      </p:ext>
-    </p:extLst>
-  </p:cSld>
-  <p:clrMapOvr>
-    <a:masterClrMapping/>
-  </p:clrMapOvr>
-  <p:timing>
-    <p:tnLst>
-      <p:par>
-        <p:cTn id="1" dur="indefinite" restart="never" nodeType="tmRoot"/>
-      </p:par>
-    </p:tnLst>
-  </p:timing>
-</p:sld>
-</file>
-
-<file path=ppt/slides/slide9.xml><?xml version="1.0" encoding="utf-8"?>
-<p:sld xmlns:a="http://schemas.openxmlformats.org/drawingml/2006/main" xmlns:r="http://schemas.openxmlformats.org/officeDocument/2006/relationships" xmlns:p="http://schemas.openxmlformats.org/presentationml/2006/main">
-  <p:cSld>
-    <p:spTree>
-      <p:nvGrpSpPr>
-        <p:cNvPr id="1" name=""/>
-        <p:cNvGrpSpPr/>
-        <p:nvPr/>
-      </p:nvGrpSpPr>
-      <p:grpSpPr>
-        <a:xfrm>
-          <a:off x="0" y="0"/>
-          <a:ext cx="0" cy="0"/>
-          <a:chOff x="0" y="0"/>
-          <a:chExt cx="0" cy="0"/>
-        </a:xfrm>
-      </p:grpSpPr>
-      <p:sp>
-        <p:nvSpPr>
-          <p:cNvPr id="2" name="Title 1"/>
-          <p:cNvSpPr>
-            <a:spLocks noGrp="1"/>
-          </p:cNvSpPr>
-          <p:nvPr>
-            <p:ph type="title"/>
-          </p:nvPr>
-        </p:nvSpPr>
-        <p:spPr/>
-        <p:txBody>
-          <a:bodyPr/>
-          <a:lstStyle/>
-          <a:p>
-            <a:r>
-              <a:rPr lang="en-US" dirty="0" smtClean="0"/>
-              <a:t>Next</a:t>
-            </a:r>
-            <a:r>
-              <a:rPr lang="en-US" baseline="0" dirty="0" smtClean="0"/>
-              <a:t> Meeting</a:t>
-            </a:r>
-            <a:endParaRPr lang="en-US" dirty="0"/>
-          </a:p>
-        </p:txBody>
-      </p:sp>
-      <p:sp>
-        <p:nvSpPr>
-          <p:cNvPr id="3" name="Content Placeholder 2"/>
-          <p:cNvSpPr>
-            <a:spLocks noGrp="1"/>
-          </p:cNvSpPr>
-          <p:nvPr>
-            <p:ph idx="1"/>
-          </p:nvPr>
-        </p:nvSpPr>
-        <p:spPr/>
-        <p:txBody>
-          <a:bodyPr/>
-          <a:lstStyle/>
-          <a:p>
-            <a:r>
-              <a:rPr lang="en-US" dirty="0" smtClean="0"/>
-              <a:t>Loops</a:t>
-            </a:r>
+              <a:t>Loops 2</a:t>
+            </a:r>
+            <a:endParaRPr lang="en-US" dirty="0" smtClean="0"/>
           </a:p>
           <a:p>
             <a:r>

--- a/meeting-4-loops/Girl Scouts LEGO Robotics - Meeting 4 - Loops.pptx
+++ b/meeting-4-loops/Girl Scouts LEGO Robotics - Meeting 4 - Loops.pptx
@@ -5,16 +5,18 @@
     <p:sldMasterId id="2147483660" r:id="rId1"/>
   </p:sldMasterIdLst>
   <p:notesMasterIdLst>
-    <p:notesMasterId r:id="rId9"/>
+    <p:notesMasterId r:id="rId11"/>
   </p:notesMasterIdLst>
   <p:sldIdLst>
     <p:sldId id="256" r:id="rId2"/>
     <p:sldId id="274" r:id="rId3"/>
     <p:sldId id="286" r:id="rId4"/>
-    <p:sldId id="270" r:id="rId5"/>
-    <p:sldId id="287" r:id="rId6"/>
-    <p:sldId id="285" r:id="rId7"/>
-    <p:sldId id="264" r:id="rId8"/>
+    <p:sldId id="288" r:id="rId5"/>
+    <p:sldId id="270" r:id="rId6"/>
+    <p:sldId id="289" r:id="rId7"/>
+    <p:sldId id="287" r:id="rId8"/>
+    <p:sldId id="285" r:id="rId9"/>
+    <p:sldId id="264" r:id="rId10"/>
   </p:sldIdLst>
   <p:sldSz cx="9144000" cy="6858000" type="screen4x3"/>
   <p:notesSz cx="6858000" cy="9144000"/>
@@ -113,7 +115,27 @@
       </a:defRPr>
     </a:lvl9pPr>
   </p:defaultTextStyle>
+  <p:extLst>
+    <p:ext uri="{EFAFB233-063F-42B5-8137-9DF3F51BA10A}">
+      <p15:sldGuideLst xmlns:p15="http://schemas.microsoft.com/office/powerpoint/2012/main">
+        <p15:guide id="1" orient="horz" pos="2160">
+          <p15:clr>
+            <a:srgbClr val="A4A3A4"/>
+          </p15:clr>
+        </p15:guide>
+        <p15:guide id="2" pos="2880">
+          <p15:clr>
+            <a:srgbClr val="A4A3A4"/>
+          </p15:clr>
+        </p15:guide>
+      </p15:sldGuideLst>
+    </p:ext>
+  </p:extLst>
 </p:presentation>
+</file>
+
+<file path=ppt/revisionInfo.xml><?xml version="1.0" encoding="utf-8"?>
+<p1510:revInfo xmlns:a="http://schemas.openxmlformats.org/drawingml/2006/main" xmlns:r="http://schemas.openxmlformats.org/officeDocument/2006/relationships" xmlns:p1510="http://schemas.microsoft.com/office/powerpoint/2015/10/main"/>
 </file>
 
 <file path=ppt/notesMasters/notesMaster1.xml><?xml version="1.0" encoding="utf-8"?>
@@ -198,7 +220,7 @@
           <a:p>
             <a:fld id="{B5261BF8-15EB-4969-8D3F-DAD06607B0EE}" type="datetimeFigureOut">
               <a:rPr lang="en-US" smtClean="0"/>
-              <a:t>7/24/2017</a:t>
+              <a:t>7/25/2017</a:t>
             </a:fld>
             <a:endParaRPr lang="en-US"/>
           </a:p>
@@ -262,38 +284,37 @@
           <a:p>
             <a:pPr lvl="0"/>
             <a:r>
-              <a:rPr lang="en-US" smtClean="0"/>
+              <a:rPr lang="en-US"/>
               <a:t>Click to edit Master text styles</a:t>
             </a:r>
           </a:p>
           <a:p>
             <a:pPr lvl="1"/>
             <a:r>
-              <a:rPr lang="en-US" smtClean="0"/>
+              <a:rPr lang="en-US"/>
               <a:t>Second level</a:t>
             </a:r>
           </a:p>
           <a:p>
             <a:pPr lvl="2"/>
             <a:r>
-              <a:rPr lang="en-US" smtClean="0"/>
+              <a:rPr lang="en-US"/>
               <a:t>Third level</a:t>
             </a:r>
           </a:p>
           <a:p>
             <a:pPr lvl="3"/>
             <a:r>
-              <a:rPr lang="en-US" smtClean="0"/>
+              <a:rPr lang="en-US"/>
               <a:t>Fourth level</a:t>
             </a:r>
           </a:p>
           <a:p>
             <a:pPr lvl="4"/>
             <a:r>
-              <a:rPr lang="en-US" smtClean="0"/>
+              <a:rPr lang="en-US"/>
               <a:t>Fifth level</a:t>
             </a:r>
-            <a:endParaRPr lang="en-US"/>
           </a:p>
         </p:txBody>
       </p:sp>
@@ -511,20 +532,19 @@
           <a:lstStyle/>
           <a:p>
             <a:r>
-              <a:rPr lang="en-US" dirty="0" err="1" smtClean="0"/>
+              <a:rPr lang="en-US" dirty="0" err="1"/>
               <a:t>Efrom</a:t>
             </a:r>
             <a:r>
-              <a:rPr lang="en-US" dirty="0" smtClean="0"/>
+              <a:rPr lang="en-US" dirty="0"/>
               <a:t> </a:t>
             </a:r>
           </a:p>
           <a:p>
             <a:r>
-              <a:rPr lang="en-US" dirty="0" smtClean="0"/>
+              <a:rPr lang="en-US" dirty="0"/>
               <a:t>Nathan</a:t>
             </a:r>
-            <a:endParaRPr lang="en-US" dirty="0"/>
           </a:p>
         </p:txBody>
       </p:sp>
@@ -545,7 +565,7 @@
           <a:p>
             <a:fld id="{5444236B-8A05-4286-9B6C-A0A9590B747F}" type="slidenum">
               <a:rPr lang="en-US" smtClean="0"/>
-              <a:t>4</a:t>
+              <a:t>5</a:t>
             </a:fld>
             <a:endParaRPr lang="en-US"/>
           </a:p>
@@ -743,7 +763,7 @@
           </a:lstStyle>
           <a:p>
             <a:r>
-              <a:rPr lang="en-US" smtClean="0"/>
+              <a:rPr lang="en-US"/>
               <a:t>Click to edit Master title style</a:t>
             </a:r>
             <a:endParaRPr lang="en-US" dirty="0"/>
@@ -862,7 +882,7 @@
           </a:lstStyle>
           <a:p>
             <a:r>
-              <a:rPr lang="en-US" smtClean="0"/>
+              <a:rPr lang="en-US"/>
               <a:t>Click to edit Master subtitle style</a:t>
             </a:r>
             <a:endParaRPr lang="en-US" dirty="0"/>
@@ -895,7 +915,7 @@
           <a:p>
             <a:fld id="{E6D547B0-6D6A-4208-9E86-F8CA1495CE74}" type="datetimeFigureOut">
               <a:rPr lang="en-US" smtClean="0"/>
-              <a:t>7/24/2017</a:t>
+              <a:t>7/25/2017</a:t>
             </a:fld>
             <a:endParaRPr lang="en-US"/>
           </a:p>
@@ -1068,13 +1088,6 @@
   <p:clrMapOvr>
     <a:masterClrMapping/>
   </p:clrMapOvr>
-  <p:timing>
-    <p:tnLst>
-      <p:par>
-        <p:cTn id="1" dur="indefinite" restart="never" nodeType="tmRoot"/>
-      </p:par>
-    </p:tnLst>
-  </p:timing>
 </p:sldLayout>
 </file>
 
@@ -1111,10 +1124,9 @@
           <a:lstStyle/>
           <a:p>
             <a:r>
-              <a:rPr lang="en-US" smtClean="0"/>
+              <a:rPr lang="en-US"/>
               <a:t>Click to edit Master title style</a:t>
             </a:r>
-            <a:endParaRPr lang="en-US"/>
           </a:p>
         </p:txBody>
       </p:sp>
@@ -1135,38 +1147,37 @@
           <a:p>
             <a:pPr lvl="0"/>
             <a:r>
-              <a:rPr lang="en-US" smtClean="0"/>
+              <a:rPr lang="en-US"/>
               <a:t>Click to edit Master text styles</a:t>
             </a:r>
           </a:p>
           <a:p>
             <a:pPr lvl="1"/>
             <a:r>
-              <a:rPr lang="en-US" smtClean="0"/>
+              <a:rPr lang="en-US"/>
               <a:t>Second level</a:t>
             </a:r>
           </a:p>
           <a:p>
             <a:pPr lvl="2"/>
             <a:r>
-              <a:rPr lang="en-US" smtClean="0"/>
+              <a:rPr lang="en-US"/>
               <a:t>Third level</a:t>
             </a:r>
           </a:p>
           <a:p>
             <a:pPr lvl="3"/>
             <a:r>
-              <a:rPr lang="en-US" smtClean="0"/>
+              <a:rPr lang="en-US"/>
               <a:t>Fourth level</a:t>
             </a:r>
           </a:p>
           <a:p>
             <a:pPr lvl="4"/>
             <a:r>
-              <a:rPr lang="en-US" smtClean="0"/>
+              <a:rPr lang="en-US"/>
               <a:t>Fifth level</a:t>
             </a:r>
-            <a:endParaRPr lang="en-US"/>
           </a:p>
         </p:txBody>
       </p:sp>
@@ -1187,7 +1198,7 @@
           <a:p>
             <a:fld id="{E6D547B0-6D6A-4208-9E86-F8CA1495CE74}" type="datetimeFigureOut">
               <a:rPr lang="en-US" smtClean="0"/>
-              <a:t>7/24/2017</a:t>
+              <a:t>7/25/2017</a:t>
             </a:fld>
             <a:endParaRPr lang="en-US"/>
           </a:p>
@@ -1281,10 +1292,9 @@
           <a:lstStyle/>
           <a:p>
             <a:r>
-              <a:rPr lang="en-US" smtClean="0"/>
+              <a:rPr lang="en-US"/>
               <a:t>Click to edit Master title style</a:t>
             </a:r>
-            <a:endParaRPr lang="en-US"/>
           </a:p>
         </p:txBody>
       </p:sp>
@@ -1310,38 +1320,37 @@
           <a:p>
             <a:pPr lvl="0"/>
             <a:r>
-              <a:rPr lang="en-US" smtClean="0"/>
+              <a:rPr lang="en-US"/>
               <a:t>Click to edit Master text styles</a:t>
             </a:r>
           </a:p>
           <a:p>
             <a:pPr lvl="1"/>
             <a:r>
-              <a:rPr lang="en-US" smtClean="0"/>
+              <a:rPr lang="en-US"/>
               <a:t>Second level</a:t>
             </a:r>
           </a:p>
           <a:p>
             <a:pPr lvl="2"/>
             <a:r>
-              <a:rPr lang="en-US" smtClean="0"/>
+              <a:rPr lang="en-US"/>
               <a:t>Third level</a:t>
             </a:r>
           </a:p>
           <a:p>
             <a:pPr lvl="3"/>
             <a:r>
-              <a:rPr lang="en-US" smtClean="0"/>
+              <a:rPr lang="en-US"/>
               <a:t>Fourth level</a:t>
             </a:r>
           </a:p>
           <a:p>
             <a:pPr lvl="4"/>
             <a:r>
-              <a:rPr lang="en-US" smtClean="0"/>
+              <a:rPr lang="en-US"/>
               <a:t>Fifth level</a:t>
             </a:r>
-            <a:endParaRPr lang="en-US"/>
           </a:p>
         </p:txBody>
       </p:sp>
@@ -1362,7 +1371,7 @@
           <a:p>
             <a:fld id="{E6D547B0-6D6A-4208-9E86-F8CA1495CE74}" type="datetimeFigureOut">
               <a:rPr lang="en-US" smtClean="0"/>
-              <a:t>7/24/2017</a:t>
+              <a:t>7/25/2017</a:t>
             </a:fld>
             <a:endParaRPr lang="en-US"/>
           </a:p>
@@ -1451,10 +1460,9 @@
           <a:lstStyle/>
           <a:p>
             <a:r>
-              <a:rPr lang="en-US" smtClean="0"/>
+              <a:rPr lang="en-US"/>
               <a:t>Click to edit Master title style</a:t>
             </a:r>
-            <a:endParaRPr lang="en-US"/>
           </a:p>
         </p:txBody>
       </p:sp>
@@ -1475,35 +1483,35 @@
           <a:p>
             <a:pPr lvl="0"/>
             <a:r>
-              <a:rPr lang="en-US" smtClean="0"/>
+              <a:rPr lang="en-US"/>
               <a:t>Click to edit Master text styles</a:t>
             </a:r>
           </a:p>
           <a:p>
             <a:pPr lvl="1"/>
             <a:r>
-              <a:rPr lang="en-US" smtClean="0"/>
+              <a:rPr lang="en-US"/>
               <a:t>Second level</a:t>
             </a:r>
           </a:p>
           <a:p>
             <a:pPr lvl="2"/>
             <a:r>
-              <a:rPr lang="en-US" smtClean="0"/>
+              <a:rPr lang="en-US"/>
               <a:t>Third level</a:t>
             </a:r>
           </a:p>
           <a:p>
             <a:pPr lvl="3"/>
             <a:r>
-              <a:rPr lang="en-US" smtClean="0"/>
+              <a:rPr lang="en-US"/>
               <a:t>Fourth level</a:t>
             </a:r>
           </a:p>
           <a:p>
             <a:pPr lvl="4"/>
             <a:r>
-              <a:rPr lang="en-US" smtClean="0"/>
+              <a:rPr lang="en-US"/>
               <a:t>Fifth level</a:t>
             </a:r>
             <a:endParaRPr lang="en-US" dirty="0"/>
@@ -1553,7 +1561,7 @@
           <a:p>
             <a:pPr algn="ctr"/>
             <a:r>
-              <a:rPr lang="en-US" sz="3200" b="1" cap="none" spc="0" dirty="0" err="1" smtClean="0">
+              <a:rPr lang="en-US" sz="3200" b="1" cap="none" spc="0" dirty="0" err="1">
                 <a:ln w="12700">
                   <a:solidFill>
                     <a:schemeClr val="tx2">
@@ -1609,13 +1617,6 @@
   <p:clrMapOvr>
     <a:masterClrMapping/>
   </p:clrMapOvr>
-  <p:timing>
-    <p:tnLst>
-      <p:par>
-        <p:cTn id="1" dur="indefinite" restart="never" nodeType="tmRoot"/>
-      </p:par>
-    </p:tnLst>
-  </p:timing>
 </p:sldLayout>
 </file>
 
@@ -1661,7 +1662,7 @@
           </a:lstStyle>
           <a:p>
             <a:r>
-              <a:rPr lang="en-US" smtClean="0"/>
+              <a:rPr lang="en-US"/>
               <a:t>Click to edit Master title style</a:t>
             </a:r>
             <a:endParaRPr lang="en-US" dirty="0"/>
@@ -1781,7 +1782,7 @@
           <a:p>
             <a:pPr lvl="0"/>
             <a:r>
-              <a:rPr lang="en-US" smtClean="0"/>
+              <a:rPr lang="en-US"/>
               <a:t>Click to edit Master text styles</a:t>
             </a:r>
           </a:p>
@@ -1804,7 +1805,7 @@
           <a:p>
             <a:fld id="{E6D547B0-6D6A-4208-9E86-F8CA1495CE74}" type="datetimeFigureOut">
               <a:rPr lang="en-US" smtClean="0"/>
-              <a:t>7/24/2017</a:t>
+              <a:t>7/25/2017</a:t>
             </a:fld>
             <a:endParaRPr lang="en-US"/>
           </a:p>
@@ -1893,10 +1894,9 @@
           <a:lstStyle/>
           <a:p>
             <a:r>
-              <a:rPr lang="en-US" smtClean="0"/>
+              <a:rPr lang="en-US"/>
               <a:t>Click to edit Master title style</a:t>
             </a:r>
-            <a:endParaRPr lang="en-US"/>
           </a:p>
         </p:txBody>
       </p:sp>
@@ -1917,7 +1917,7 @@
           <a:p>
             <a:fld id="{E6D547B0-6D6A-4208-9E86-F8CA1495CE74}" type="datetimeFigureOut">
               <a:rPr lang="en-US" smtClean="0"/>
-              <a:t>7/24/2017</a:t>
+              <a:t>7/25/2017</a:t>
             </a:fld>
             <a:endParaRPr lang="en-US"/>
           </a:p>
@@ -1987,35 +1987,35 @@
           <a:p>
             <a:pPr lvl="0"/>
             <a:r>
-              <a:rPr lang="en-US" smtClean="0"/>
+              <a:rPr lang="en-US"/>
               <a:t>Click to edit Master text styles</a:t>
             </a:r>
           </a:p>
           <a:p>
             <a:pPr lvl="1"/>
             <a:r>
-              <a:rPr lang="en-US" smtClean="0"/>
+              <a:rPr lang="en-US"/>
               <a:t>Second level</a:t>
             </a:r>
           </a:p>
           <a:p>
             <a:pPr lvl="2"/>
             <a:r>
-              <a:rPr lang="en-US" smtClean="0"/>
+              <a:rPr lang="en-US"/>
               <a:t>Third level</a:t>
             </a:r>
           </a:p>
           <a:p>
             <a:pPr lvl="3"/>
             <a:r>
-              <a:rPr lang="en-US" smtClean="0"/>
+              <a:rPr lang="en-US"/>
               <a:t>Fourth level</a:t>
             </a:r>
           </a:p>
           <a:p>
             <a:pPr lvl="4"/>
             <a:r>
-              <a:rPr lang="en-US" smtClean="0"/>
+              <a:rPr lang="en-US"/>
               <a:t>Fifth level</a:t>
             </a:r>
             <a:endParaRPr lang="en-US" dirty="0"/>
@@ -2044,38 +2044,37 @@
           <a:p>
             <a:pPr lvl="0"/>
             <a:r>
-              <a:rPr lang="en-US" smtClean="0"/>
+              <a:rPr lang="en-US"/>
               <a:t>Click to edit Master text styles</a:t>
             </a:r>
           </a:p>
           <a:p>
             <a:pPr lvl="1"/>
             <a:r>
-              <a:rPr lang="en-US" smtClean="0"/>
+              <a:rPr lang="en-US"/>
               <a:t>Second level</a:t>
             </a:r>
           </a:p>
           <a:p>
             <a:pPr lvl="2"/>
             <a:r>
-              <a:rPr lang="en-US" smtClean="0"/>
+              <a:rPr lang="en-US"/>
               <a:t>Third level</a:t>
             </a:r>
           </a:p>
           <a:p>
             <a:pPr lvl="3"/>
             <a:r>
-              <a:rPr lang="en-US" smtClean="0"/>
+              <a:rPr lang="en-US"/>
               <a:t>Fourth level</a:t>
             </a:r>
           </a:p>
           <a:p>
             <a:pPr lvl="4"/>
             <a:r>
-              <a:rPr lang="en-US" smtClean="0"/>
+              <a:rPr lang="en-US"/>
               <a:t>Fifth level</a:t>
             </a:r>
-            <a:endParaRPr lang="en-US"/>
           </a:p>
         </p:txBody>
       </p:sp>
@@ -2124,10 +2123,9 @@
           </a:lstStyle>
           <a:p>
             <a:r>
-              <a:rPr lang="en-US" smtClean="0"/>
+              <a:rPr lang="en-US"/>
               <a:t>Click to edit Master title style</a:t>
             </a:r>
-            <a:endParaRPr lang="en-US"/>
           </a:p>
         </p:txBody>
       </p:sp>
@@ -2194,7 +2192,7 @@
           <a:p>
             <a:pPr lvl="0"/>
             <a:r>
-              <a:rPr lang="en-US" smtClean="0"/>
+              <a:rPr lang="en-US"/>
               <a:t>Click to edit Master text styles</a:t>
             </a:r>
           </a:p>
@@ -2250,35 +2248,35 @@
           <a:p>
             <a:pPr lvl="0"/>
             <a:r>
-              <a:rPr lang="en-US" smtClean="0"/>
+              <a:rPr lang="en-US"/>
               <a:t>Click to edit Master text styles</a:t>
             </a:r>
           </a:p>
           <a:p>
             <a:pPr lvl="1"/>
             <a:r>
-              <a:rPr lang="en-US" smtClean="0"/>
+              <a:rPr lang="en-US"/>
               <a:t>Second level</a:t>
             </a:r>
           </a:p>
           <a:p>
             <a:pPr lvl="2"/>
             <a:r>
-              <a:rPr lang="en-US" smtClean="0"/>
+              <a:rPr lang="en-US"/>
               <a:t>Third level</a:t>
             </a:r>
           </a:p>
           <a:p>
             <a:pPr lvl="3"/>
             <a:r>
-              <a:rPr lang="en-US" smtClean="0"/>
+              <a:rPr lang="en-US"/>
               <a:t>Fourth level</a:t>
             </a:r>
           </a:p>
           <a:p>
             <a:pPr lvl="4"/>
             <a:r>
-              <a:rPr lang="en-US" smtClean="0"/>
+              <a:rPr lang="en-US"/>
               <a:t>Fifth level</a:t>
             </a:r>
             <a:endParaRPr lang="en-US" dirty="0"/>
@@ -2348,7 +2346,7 @@
           <a:p>
             <a:pPr lvl="0"/>
             <a:r>
-              <a:rPr lang="en-US" smtClean="0"/>
+              <a:rPr lang="en-US"/>
               <a:t>Click to edit Master text styles</a:t>
             </a:r>
           </a:p>
@@ -2404,35 +2402,35 @@
           <a:p>
             <a:pPr lvl="0"/>
             <a:r>
-              <a:rPr lang="en-US" smtClean="0"/>
+              <a:rPr lang="en-US"/>
               <a:t>Click to edit Master text styles</a:t>
             </a:r>
           </a:p>
           <a:p>
             <a:pPr lvl="1"/>
             <a:r>
-              <a:rPr lang="en-US" smtClean="0"/>
+              <a:rPr lang="en-US"/>
               <a:t>Second level</a:t>
             </a:r>
           </a:p>
           <a:p>
             <a:pPr lvl="2"/>
             <a:r>
-              <a:rPr lang="en-US" smtClean="0"/>
+              <a:rPr lang="en-US"/>
               <a:t>Third level</a:t>
             </a:r>
           </a:p>
           <a:p>
             <a:pPr lvl="3"/>
             <a:r>
-              <a:rPr lang="en-US" smtClean="0"/>
+              <a:rPr lang="en-US"/>
               <a:t>Fourth level</a:t>
             </a:r>
           </a:p>
           <a:p>
             <a:pPr lvl="4"/>
             <a:r>
-              <a:rPr lang="en-US" smtClean="0"/>
+              <a:rPr lang="en-US"/>
               <a:t>Fifth level</a:t>
             </a:r>
             <a:endParaRPr lang="en-US" dirty="0"/>
@@ -2456,7 +2454,7 @@
           <a:p>
             <a:fld id="{E6D547B0-6D6A-4208-9E86-F8CA1495CE74}" type="datetimeFigureOut">
               <a:rPr lang="en-US" smtClean="0"/>
-              <a:t>7/24/2017</a:t>
+              <a:t>7/25/2017</a:t>
             </a:fld>
             <a:endParaRPr lang="en-US"/>
           </a:p>
@@ -2545,10 +2543,9 @@
           <a:lstStyle/>
           <a:p>
             <a:r>
-              <a:rPr lang="en-US" smtClean="0"/>
+              <a:rPr lang="en-US"/>
               <a:t>Click to edit Master title style</a:t>
             </a:r>
-            <a:endParaRPr lang="en-US"/>
           </a:p>
         </p:txBody>
       </p:sp>
@@ -2569,7 +2566,7 @@
           <a:p>
             <a:fld id="{E6D547B0-6D6A-4208-9E86-F8CA1495CE74}" type="datetimeFigureOut">
               <a:rPr lang="en-US" smtClean="0"/>
-              <a:t>7/24/2017</a:t>
+              <a:t>7/25/2017</a:t>
             </a:fld>
             <a:endParaRPr lang="en-US"/>
           </a:p>
@@ -2659,7 +2656,7 @@
           <a:p>
             <a:fld id="{E6D547B0-6D6A-4208-9E86-F8CA1495CE74}" type="datetimeFigureOut">
               <a:rPr lang="en-US" smtClean="0"/>
-              <a:t>7/24/2017</a:t>
+              <a:t>7/25/2017</a:t>
             </a:fld>
             <a:endParaRPr lang="en-US"/>
           </a:p>
@@ -5310,7 +5307,7 @@
           <a:p>
             <a:fld id="{E6D547B0-6D6A-4208-9E86-F8CA1495CE74}" type="datetimeFigureOut">
               <a:rPr lang="en-US" smtClean="0"/>
-              <a:t>7/24/2017</a:t>
+              <a:t>7/25/2017</a:t>
             </a:fld>
             <a:endParaRPr lang="en-US"/>
           </a:p>
@@ -5437,35 +5434,35 @@
           <a:p>
             <a:pPr lvl="0"/>
             <a:r>
-              <a:rPr lang="en-US" smtClean="0"/>
+              <a:rPr lang="en-US"/>
               <a:t>Click to edit Master text styles</a:t>
             </a:r>
           </a:p>
           <a:p>
             <a:pPr lvl="1"/>
             <a:r>
-              <a:rPr lang="en-US" smtClean="0"/>
+              <a:rPr lang="en-US"/>
               <a:t>Second level</a:t>
             </a:r>
           </a:p>
           <a:p>
             <a:pPr lvl="2"/>
             <a:r>
-              <a:rPr lang="en-US" smtClean="0"/>
+              <a:rPr lang="en-US"/>
               <a:t>Third level</a:t>
             </a:r>
           </a:p>
           <a:p>
             <a:pPr lvl="3"/>
             <a:r>
-              <a:rPr lang="en-US" smtClean="0"/>
+              <a:rPr lang="en-US"/>
               <a:t>Fourth level</a:t>
             </a:r>
           </a:p>
           <a:p>
             <a:pPr lvl="4"/>
             <a:r>
-              <a:rPr lang="en-US" smtClean="0"/>
+              <a:rPr lang="en-US"/>
               <a:t>Fifth level</a:t>
             </a:r>
             <a:endParaRPr lang="en-US" dirty="0"/>
@@ -5571,10 +5568,9 @@
           </a:lstStyle>
           <a:p>
             <a:r>
-              <a:rPr lang="en-US" smtClean="0"/>
+              <a:rPr lang="en-US"/>
               <a:t>Click to edit Master title style</a:t>
             </a:r>
-            <a:endParaRPr lang="en-US"/>
           </a:p>
         </p:txBody>
       </p:sp>
@@ -5643,7 +5639,7 @@
           <a:p>
             <a:pPr lvl="0"/>
             <a:r>
-              <a:rPr lang="en-US" smtClean="0"/>
+              <a:rPr lang="en-US"/>
               <a:t>Click to edit Master text styles</a:t>
             </a:r>
           </a:p>
@@ -8358,10 +8354,9 @@
           </a:lstStyle>
           <a:p>
             <a:r>
-              <a:rPr lang="en-US" smtClean="0"/>
+              <a:rPr lang="en-US"/>
               <a:t>Click to edit Master title style</a:t>
             </a:r>
-            <a:endParaRPr lang="en-US"/>
           </a:p>
         </p:txBody>
       </p:sp>
@@ -8427,7 +8422,7 @@
           </a:lstStyle>
           <a:p>
             <a:r>
-              <a:rPr lang="en-US" smtClean="0"/>
+              <a:rPr lang="en-US"/>
               <a:t>Click icon to add picture</a:t>
             </a:r>
             <a:endParaRPr lang="en-US" dirty="0"/>
@@ -8499,7 +8494,7 @@
           <a:p>
             <a:pPr lvl="0"/>
             <a:r>
-              <a:rPr lang="en-US" smtClean="0"/>
+              <a:rPr lang="en-US"/>
               <a:t>Click to edit Master text styles</a:t>
             </a:r>
           </a:p>
@@ -8522,7 +8517,7 @@
           <a:p>
             <a:fld id="{E6D547B0-6D6A-4208-9E86-F8CA1495CE74}" type="datetimeFigureOut">
               <a:rPr lang="en-US" smtClean="0"/>
-              <a:t>7/24/2017</a:t>
+              <a:t>7/25/2017</a:t>
             </a:fld>
             <a:endParaRPr lang="en-US"/>
           </a:p>
@@ -8818,7 +8813,7 @@
           <a:lstStyle/>
           <a:p>
             <a:r>
-              <a:rPr lang="en-US" smtClean="0"/>
+              <a:rPr lang="en-US"/>
               <a:t>Click to edit Master title style</a:t>
             </a:r>
             <a:endParaRPr lang="en-US" dirty="0"/>
@@ -8852,35 +8847,35 @@
           <a:p>
             <a:pPr lvl="0"/>
             <a:r>
-              <a:rPr lang="en-US" smtClean="0"/>
+              <a:rPr lang="en-US"/>
               <a:t>Click to edit Master text styles</a:t>
             </a:r>
           </a:p>
           <a:p>
             <a:pPr lvl="1"/>
             <a:r>
-              <a:rPr lang="en-US" smtClean="0"/>
+              <a:rPr lang="en-US"/>
               <a:t>Second level</a:t>
             </a:r>
           </a:p>
           <a:p>
             <a:pPr lvl="2"/>
             <a:r>
-              <a:rPr lang="en-US" smtClean="0"/>
+              <a:rPr lang="en-US"/>
               <a:t>Third level</a:t>
             </a:r>
           </a:p>
           <a:p>
             <a:pPr lvl="3"/>
             <a:r>
-              <a:rPr lang="en-US" smtClean="0"/>
+              <a:rPr lang="en-US"/>
               <a:t>Fourth level</a:t>
             </a:r>
           </a:p>
           <a:p>
             <a:pPr lvl="4"/>
             <a:r>
-              <a:rPr lang="en-US" smtClean="0"/>
+              <a:rPr lang="en-US"/>
               <a:t>Fifth level</a:t>
             </a:r>
             <a:endParaRPr lang="en-US" dirty="0"/>
@@ -8920,7 +8915,7 @@
           <a:p>
             <a:fld id="{E6D547B0-6D6A-4208-9E86-F8CA1495CE74}" type="datetimeFigureOut">
               <a:rPr lang="en-US" smtClean="0"/>
-              <a:t>7/24/2017</a:t>
+              <a:t>7/25/2017</a:t>
             </a:fld>
             <a:endParaRPr lang="en-US"/>
           </a:p>
@@ -9016,13 +9011,6 @@
     <p:sldLayoutId id="2147483670" r:id="rId10"/>
     <p:sldLayoutId id="2147483671" r:id="rId11"/>
   </p:sldLayoutIdLst>
-  <p:timing>
-    <p:tnLst>
-      <p:par>
-        <p:cTn id="1" dur="indefinite" restart="never" nodeType="tmRoot"/>
-      </p:par>
-    </p:tnLst>
-  </p:timing>
   <p:txStyles>
     <p:titleStyle>
       <a:lvl1pPr algn="l" defTabSz="914400" rtl="0" eaLnBrk="1" latinLnBrk="0" hangingPunct="1">
@@ -9402,33 +9390,20 @@
           </a:bodyPr>
           <a:lstStyle/>
           <a:p>
-            <a:r>
-              <a:rPr lang="en-US" dirty="0" smtClean="0"/>
-              <a:t/>
-            </a:r>
             <a:br>
-              <a:rPr lang="en-US" dirty="0" smtClean="0"/>
+              <a:rPr lang="en-US" dirty="0"/>
             </a:br>
             <a:r>
-              <a:rPr lang="en-US" dirty="0" err="1" smtClean="0"/>
+              <a:rPr lang="en-US" dirty="0" err="1"/>
               <a:t>Cybergirls</a:t>
             </a:r>
-            <a:r>
-              <a:rPr lang="en-US" dirty="0" smtClean="0"/>
-              <a:t/>
-            </a:r>
             <a:br>
-              <a:rPr lang="en-US" dirty="0" smtClean="0"/>
+              <a:rPr lang="en-US" dirty="0"/>
             </a:br>
             <a:r>
-              <a:rPr lang="en-US" dirty="0" smtClean="0"/>
-              <a:t>Girl </a:t>
-            </a:r>
-            <a:r>
-              <a:rPr lang="en-US" dirty="0" smtClean="0"/>
-              <a:t>Scouts LEGO Robotics</a:t>
-            </a:r>
-            <a:endParaRPr lang="en-US" dirty="0"/>
+              <a:rPr lang="en-US" dirty="0"/>
+              <a:t>Girl Scouts LEGO Robotics</a:t>
+            </a:r>
           </a:p>
         </p:txBody>
       </p:sp>
@@ -9448,42 +9423,17 @@
           <a:lstStyle/>
           <a:p>
             <a:r>
-              <a:rPr lang="en-US" dirty="0" smtClean="0"/>
-              <a:t>Meeting </a:t>
-            </a:r>
-            <a:r>
-              <a:rPr lang="en-US" dirty="0" smtClean="0"/>
-              <a:t>4 </a:t>
-            </a:r>
-            <a:r>
-              <a:rPr lang="en-US" dirty="0" smtClean="0"/>
-              <a:t>– </a:t>
-            </a:r>
-            <a:r>
-              <a:rPr lang="en-US" dirty="0" smtClean="0"/>
-              <a:t>Loops</a:t>
-            </a:r>
-            <a:endParaRPr lang="en-US" dirty="0" smtClean="0"/>
-          </a:p>
-          <a:p>
-            <a:endParaRPr lang="en-US" dirty="0" smtClean="0"/>
-          </a:p>
-          <a:p>
-            <a:r>
-              <a:rPr lang="en-US" dirty="0" smtClean="0"/>
-              <a:t>July </a:t>
-            </a:r>
-            <a:r>
-              <a:rPr lang="en-US" dirty="0" smtClean="0"/>
-              <a:t>25</a:t>
-            </a:r>
-            <a:r>
-              <a:rPr lang="en-US" dirty="0" smtClean="0"/>
-              <a:t>, </a:t>
-            </a:r>
-            <a:r>
-              <a:rPr lang="en-US" dirty="0" smtClean="0"/>
-              <a:t>2017</a:t>
+              <a:rPr lang="en-US" dirty="0"/>
+              <a:t>Meeting 4 – Loops</a:t>
+            </a:r>
+          </a:p>
+          <a:p>
+            <a:endParaRPr lang="en-US" dirty="0"/>
+          </a:p>
+          <a:p>
+            <a:r>
+              <a:rPr lang="en-US" dirty="0"/>
+              <a:t>July 25, 2017</a:t>
             </a:r>
           </a:p>
           <a:p>
@@ -9515,7 +9465,7 @@
           <a:p>
             <a:pPr algn="ctr"/>
             <a:r>
-              <a:rPr lang="en-US" sz="4800" b="1" cap="none" spc="0" dirty="0" err="1" smtClean="0">
+              <a:rPr lang="en-US" sz="4800" b="1" cap="none" spc="0" dirty="0" err="1">
                 <a:ln w="12700">
                   <a:solidFill>
                     <a:schemeClr val="tx2">
@@ -9576,13 +9526,6 @@
   <p:clrMapOvr>
     <a:masterClrMapping/>
   </p:clrMapOvr>
-  <p:timing>
-    <p:tnLst>
-      <p:par>
-        <p:cTn id="1" dur="indefinite" restart="never" nodeType="tmRoot"/>
-      </p:par>
-    </p:tnLst>
-  </p:timing>
 </p:sld>
 </file>
 
@@ -9619,10 +9562,9 @@
           <a:lstStyle/>
           <a:p>
             <a:r>
-              <a:rPr lang="en-US" dirty="0" smtClean="0"/>
+              <a:rPr lang="en-US" dirty="0"/>
               <a:t>What are we doing today?</a:t>
             </a:r>
-            <a:endParaRPr lang="en-US" dirty="0"/>
           </a:p>
         </p:txBody>
       </p:sp>
@@ -9644,17 +9586,13 @@
           <a:lstStyle/>
           <a:p>
             <a:r>
-              <a:rPr lang="en-US" dirty="0" smtClean="0"/>
-              <a:t>Review </a:t>
-            </a:r>
-            <a:r>
-              <a:rPr lang="en-US" dirty="0" smtClean="0"/>
-              <a:t>your program from last meeting</a:t>
-            </a:r>
-          </a:p>
-          <a:p>
-            <a:r>
-              <a:rPr lang="en-US" dirty="0" smtClean="0"/>
+              <a:rPr lang="en-US" dirty="0"/>
+              <a:t>Review your program from last meeting</a:t>
+            </a:r>
+          </a:p>
+          <a:p>
+            <a:r>
+              <a:rPr lang="en-US" dirty="0"/>
               <a:t>Core values</a:t>
             </a:r>
           </a:p>
@@ -9666,14 +9604,9 @@
           </a:p>
           <a:p>
             <a:r>
-              <a:rPr lang="en-US" dirty="0" smtClean="0"/>
-              <a:t>Building your own Fidget Spinner </a:t>
-            </a:r>
-            <a:r>
-              <a:rPr lang="en-US" dirty="0" err="1" smtClean="0"/>
-              <a:t>Spinner</a:t>
-            </a:r>
-            <a:endParaRPr lang="en-US" dirty="0" smtClean="0"/>
+              <a:rPr lang="en-US" dirty="0"/>
+              <a:t>Parts and building</a:t>
+            </a:r>
           </a:p>
         </p:txBody>
       </p:sp>
@@ -9687,13 +9620,6 @@
   <p:clrMapOvr>
     <a:masterClrMapping/>
   </p:clrMapOvr>
-  <p:timing>
-    <p:tnLst>
-      <p:par>
-        <p:cTn id="1" dur="indefinite" restart="never" nodeType="tmRoot"/>
-      </p:par>
-    </p:tnLst>
-  </p:timing>
 </p:sld>
 </file>
 
@@ -9730,10 +9656,9 @@
           <a:lstStyle/>
           <a:p>
             <a:r>
-              <a:rPr lang="en-US" dirty="0" smtClean="0"/>
+              <a:rPr lang="en-US" dirty="0"/>
               <a:t>Core Values</a:t>
             </a:r>
-            <a:endParaRPr lang="en-US" dirty="0"/>
           </a:p>
         </p:txBody>
       </p:sp>
@@ -9749,10 +9674,105 @@
         </p:nvSpPr>
         <p:spPr/>
         <p:txBody>
-          <a:bodyPr/>
+          <a:bodyPr>
+            <a:normAutofit fontScale="85000" lnSpcReduction="20000"/>
+          </a:bodyPr>
           <a:lstStyle/>
           <a:p>
-            <a:endParaRPr lang="en-US"/>
+            <a:pPr marL="514350" indent="-514350">
+              <a:buFont typeface="+mj-lt"/>
+              <a:buAutoNum type="arabicPeriod"/>
+            </a:pPr>
+            <a:r>
+              <a:rPr lang="en-US" dirty="0"/>
+              <a:t>We are a team.</a:t>
+            </a:r>
+          </a:p>
+          <a:p>
+            <a:pPr marL="514350" indent="-514350">
+              <a:buFont typeface="+mj-lt"/>
+              <a:buAutoNum type="arabicPeriod"/>
+            </a:pPr>
+            <a:r>
+              <a:rPr lang="en-US" dirty="0"/>
+              <a:t>We do the work to find solutions with guidance from our Coaches and Mentors.</a:t>
+            </a:r>
+          </a:p>
+          <a:p>
+            <a:pPr marL="514350" indent="-514350">
+              <a:buFont typeface="+mj-lt"/>
+              <a:buAutoNum type="arabicPeriod"/>
+            </a:pPr>
+            <a:r>
+              <a:rPr lang="en-US" dirty="0"/>
+              <a:t>We know our Coaches and Mentors don’t have all the answers; we learn together.</a:t>
+            </a:r>
+          </a:p>
+          <a:p>
+            <a:pPr marL="514350" indent="-514350">
+              <a:buFont typeface="+mj-lt"/>
+              <a:buAutoNum type="arabicPeriod"/>
+            </a:pPr>
+            <a:r>
+              <a:rPr lang="en-US" dirty="0"/>
+              <a:t>We honor the spirit of friendly competition.</a:t>
+            </a:r>
+          </a:p>
+          <a:p>
+            <a:pPr marL="514350" indent="-514350">
+              <a:buFont typeface="+mj-lt"/>
+              <a:buAutoNum type="arabicPeriod"/>
+            </a:pPr>
+            <a:r>
+              <a:rPr lang="en-US" dirty="0"/>
+              <a:t>What we discover is more important than what we win.</a:t>
+            </a:r>
+          </a:p>
+          <a:p>
+            <a:pPr marL="514350" indent="-514350">
+              <a:buFont typeface="+mj-lt"/>
+              <a:buAutoNum type="arabicPeriod"/>
+            </a:pPr>
+            <a:r>
+              <a:rPr lang="en-US" dirty="0"/>
+              <a:t>We share our experiences with others.</a:t>
+            </a:r>
+          </a:p>
+          <a:p>
+            <a:pPr marL="514350" indent="-514350">
+              <a:buFont typeface="+mj-lt"/>
+              <a:buAutoNum type="arabicPeriod"/>
+            </a:pPr>
+            <a:r>
+              <a:rPr lang="en-US" dirty="0"/>
+              <a:t>We display </a:t>
+            </a:r>
+            <a:r>
+              <a:rPr lang="en-US" i="1" dirty="0"/>
+              <a:t>Gracious Professionalism</a:t>
+            </a:r>
+            <a:r>
+              <a:rPr lang="en-US" dirty="0"/>
+              <a:t>® and </a:t>
+            </a:r>
+            <a:r>
+              <a:rPr lang="en-US" i="1" dirty="0" err="1"/>
+              <a:t>Coopertition</a:t>
+            </a:r>
+            <a:r>
+              <a:rPr lang="en-US" dirty="0"/>
+              <a:t>® in everything we do.</a:t>
+            </a:r>
+          </a:p>
+          <a:p>
+            <a:pPr marL="514350" indent="-514350">
+              <a:buFont typeface="+mj-lt"/>
+              <a:buAutoNum type="arabicPeriod"/>
+            </a:pPr>
+            <a:r>
+              <a:rPr lang="en-US" dirty="0"/>
+              <a:t>We have FUN!</a:t>
+            </a:r>
           </a:p>
         </p:txBody>
       </p:sp>
@@ -9770,6 +9790,213 @@
 </file>
 
 <file path=ppt/slides/slide4.xml><?xml version="1.0" encoding="utf-8"?>
+<p:sld xmlns:a="http://schemas.openxmlformats.org/drawingml/2006/main" xmlns:r="http://schemas.openxmlformats.org/officeDocument/2006/relationships" xmlns:p="http://schemas.openxmlformats.org/presentationml/2006/main">
+  <p:cSld>
+    <p:spTree>
+      <p:nvGrpSpPr>
+        <p:cNvPr id="1" name=""/>
+        <p:cNvGrpSpPr/>
+        <p:nvPr/>
+      </p:nvGrpSpPr>
+      <p:grpSpPr>
+        <a:xfrm>
+          <a:off x="0" y="0"/>
+          <a:ext cx="0" cy="0"/>
+          <a:chOff x="0" y="0"/>
+          <a:chExt cx="0" cy="0"/>
+        </a:xfrm>
+      </p:grpSpPr>
+      <p:sp>
+        <p:nvSpPr>
+          <p:cNvPr id="2" name="Title 1">
+            <a:extLst>
+              <a:ext uri="{FF2B5EF4-FFF2-40B4-BE49-F238E27FC236}">
+                <a16:creationId xmlns:a16="http://schemas.microsoft.com/office/drawing/2014/main" id="{EC0EC73B-883C-4541-8C18-917FD4FD8781}"/>
+              </a:ext>
+            </a:extLst>
+          </p:cNvPr>
+          <p:cNvSpPr>
+            <a:spLocks noGrp="1"/>
+          </p:cNvSpPr>
+          <p:nvPr>
+            <p:ph type="title"/>
+          </p:nvPr>
+        </p:nvSpPr>
+        <p:spPr/>
+        <p:txBody>
+          <a:bodyPr/>
+          <a:lstStyle/>
+          <a:p>
+            <a:r>
+              <a:rPr lang="en-US" dirty="0"/>
+              <a:t>What is a loop?</a:t>
+            </a:r>
+          </a:p>
+        </p:txBody>
+      </p:sp>
+      <p:sp>
+        <p:nvSpPr>
+          <p:cNvPr id="3" name="Content Placeholder 2">
+            <a:extLst>
+              <a:ext uri="{FF2B5EF4-FFF2-40B4-BE49-F238E27FC236}">
+                <a16:creationId xmlns:a16="http://schemas.microsoft.com/office/drawing/2014/main" id="{D3A2A01D-DFBF-40F6-8874-B9882E63970D}"/>
+              </a:ext>
+            </a:extLst>
+          </p:cNvPr>
+          <p:cNvSpPr>
+            <a:spLocks noGrp="1"/>
+          </p:cNvSpPr>
+          <p:nvPr>
+            <p:ph idx="1"/>
+          </p:nvPr>
+        </p:nvSpPr>
+        <p:spPr/>
+        <p:txBody>
+          <a:bodyPr/>
+          <a:lstStyle/>
+          <a:p>
+            <a:r>
+              <a:rPr lang="en-US" dirty="0"/>
+              <a:t>One or more commands that run over and over again</a:t>
+            </a:r>
+          </a:p>
+          <a:p>
+            <a:r>
+              <a:rPr lang="en-US" dirty="0"/>
+              <a:t>Without a loop:</a:t>
+            </a:r>
+          </a:p>
+          <a:p>
+            <a:endParaRPr lang="en-US" dirty="0"/>
+          </a:p>
+        </p:txBody>
+      </p:sp>
+      <p:sp>
+        <p:nvSpPr>
+          <p:cNvPr id="4" name="TextBox 3">
+            <a:extLst>
+              <a:ext uri="{FF2B5EF4-FFF2-40B4-BE49-F238E27FC236}">
+                <a16:creationId xmlns:a16="http://schemas.microsoft.com/office/drawing/2014/main" id="{F18109E5-B237-43D1-A1E7-DFDECE41523F}"/>
+              </a:ext>
+            </a:extLst>
+          </p:cNvPr>
+          <p:cNvSpPr txBox="1"/>
+          <p:nvPr/>
+        </p:nvSpPr>
+        <p:spPr>
+          <a:xfrm>
+            <a:off x="990600" y="3962400"/>
+            <a:ext cx="7239000" cy="2286000"/>
+          </a:xfrm>
+          <a:prstGeom prst="rect">
+            <a:avLst/>
+          </a:prstGeom>
+          <a:solidFill>
+            <a:schemeClr val="tx1"/>
+          </a:solidFill>
+        </p:spPr>
+        <p:txBody>
+          <a:bodyPr wrap="square" rtlCol="0">
+            <a:noAutofit/>
+          </a:bodyPr>
+          <a:lstStyle/>
+          <a:p>
+            <a:r>
+              <a:rPr lang="en-US" dirty="0">
+                <a:solidFill>
+                  <a:schemeClr val="bg1"/>
+                </a:solidFill>
+              </a:rPr>
+              <a:t>Python</a:t>
+            </a:r>
+          </a:p>
+          <a:p>
+            <a:endParaRPr lang="en-US" dirty="0">
+              <a:solidFill>
+                <a:schemeClr val="bg1"/>
+              </a:solidFill>
+            </a:endParaRPr>
+          </a:p>
+          <a:p>
+            <a:r>
+              <a:rPr lang="en-US" dirty="0">
+                <a:solidFill>
+                  <a:schemeClr val="bg1"/>
+                </a:solidFill>
+              </a:rPr>
+              <a:t>&gt;&gt;&gt;print(1)</a:t>
+            </a:r>
+          </a:p>
+          <a:p>
+            <a:r>
+              <a:rPr lang="en-US" dirty="0">
+                <a:solidFill>
+                  <a:schemeClr val="bg1"/>
+                </a:solidFill>
+              </a:rPr>
+              <a:t>&gt;&gt;&gt;print(2)</a:t>
+            </a:r>
+          </a:p>
+          <a:p>
+            <a:r>
+              <a:rPr lang="en-US" dirty="0">
+                <a:solidFill>
+                  <a:schemeClr val="bg1"/>
+                </a:solidFill>
+              </a:rPr>
+              <a:t>&gt;&gt;&gt;print(3)</a:t>
+            </a:r>
+          </a:p>
+          <a:p>
+            <a:r>
+              <a:rPr lang="en-US" dirty="0">
+                <a:solidFill>
+                  <a:schemeClr val="bg1"/>
+                </a:solidFill>
+              </a:rPr>
+              <a:t>&gt;&gt;&gt;print(4)</a:t>
+            </a:r>
+          </a:p>
+          <a:p>
+            <a:r>
+              <a:rPr lang="en-US" dirty="0">
+                <a:solidFill>
+                  <a:schemeClr val="bg1"/>
+                </a:solidFill>
+              </a:rPr>
+              <a:t>&gt;&gt;&gt;print(5)</a:t>
+            </a:r>
+          </a:p>
+          <a:p>
+            <a:endParaRPr lang="en-US" dirty="0">
+              <a:solidFill>
+                <a:schemeClr val="bg1"/>
+              </a:solidFill>
+            </a:endParaRPr>
+          </a:p>
+          <a:p>
+            <a:endParaRPr lang="en-US" dirty="0">
+              <a:solidFill>
+                <a:schemeClr val="bg1"/>
+              </a:solidFill>
+            </a:endParaRPr>
+          </a:p>
+        </p:txBody>
+      </p:sp>
+    </p:spTree>
+    <p:extLst>
+      <p:ext uri="{BB962C8B-B14F-4D97-AF65-F5344CB8AC3E}">
+        <p14:creationId xmlns:p14="http://schemas.microsoft.com/office/powerpoint/2010/main" val="459709954"/>
+      </p:ext>
+    </p:extLst>
+  </p:cSld>
+  <p:clrMapOvr>
+    <a:masterClrMapping/>
+  </p:clrMapOvr>
+</p:sld>
+</file>
+
+<file path=ppt/slides/slide5.xml><?xml version="1.0" encoding="utf-8"?>
 <p:sld xmlns:a="http://schemas.openxmlformats.org/drawingml/2006/main" xmlns:r="http://schemas.openxmlformats.org/officeDocument/2006/relationships" xmlns:p="http://schemas.openxmlformats.org/presentationml/2006/main">
   <p:cSld>
     <p:spTree>
@@ -9811,7 +10038,7 @@
           <a:lstStyle/>
           <a:p>
             <a:r>
-              <a:rPr lang="en-US" dirty="0" smtClean="0">
+              <a:rPr lang="en-US" dirty="0">
                 <a:solidFill>
                   <a:schemeClr val="bg1"/>
                 </a:solidFill>
@@ -9828,7 +10055,7 @@
           </a:p>
           <a:p>
             <a:r>
-              <a:rPr lang="en-US" dirty="0" smtClean="0">
+              <a:rPr lang="en-US" dirty="0">
                 <a:solidFill>
                   <a:schemeClr val="bg1"/>
                 </a:solidFill>
@@ -9843,19 +10070,11 @@
                   <a:schemeClr val="bg1"/>
                 </a:solidFill>
               </a:rPr>
-              <a:t> </a:t>
-            </a:r>
-            <a:r>
-              <a:rPr lang="en-US" dirty="0" smtClean="0">
-                <a:solidFill>
-                  <a:schemeClr val="bg1"/>
-                </a:solidFill>
-              </a:rPr>
-              <a:t>   print(i)</a:t>
-            </a:r>
-          </a:p>
-          <a:p>
-            <a:endParaRPr lang="en-US" dirty="0" smtClean="0">
+              <a:t>    print(i)</a:t>
+            </a:r>
+          </a:p>
+          <a:p>
+            <a:endParaRPr lang="en-US" dirty="0">
               <a:solidFill>
                 <a:schemeClr val="bg1"/>
               </a:solidFill>
@@ -9886,22 +10105,17 @@
           <a:lstStyle/>
           <a:p>
             <a:r>
-              <a:rPr lang="en-US" dirty="0" smtClean="0"/>
+              <a:rPr lang="en-US" dirty="0"/>
               <a:t>Hands-on</a:t>
             </a:r>
             <a:r>
-              <a:rPr lang="en-US" baseline="0" dirty="0" smtClean="0"/>
+              <a:rPr lang="en-US" baseline="0" dirty="0"/>
               <a:t> </a:t>
             </a:r>
             <a:r>
-              <a:rPr lang="en-US" dirty="0" smtClean="0"/>
-              <a:t>1 – </a:t>
-            </a:r>
-            <a:r>
-              <a:rPr lang="en-US" dirty="0" smtClean="0"/>
-              <a:t>Simple loop</a:t>
-            </a:r>
-            <a:endParaRPr lang="en-US" dirty="0"/>
+              <a:rPr lang="en-US" dirty="0"/>
+              <a:t>1 – Simple loop</a:t>
+            </a:r>
           </a:p>
         </p:txBody>
       </p:sp>
@@ -9915,17 +10129,137 @@
   <p:clrMapOvr>
     <a:masterClrMapping/>
   </p:clrMapOvr>
-  <p:timing>
-    <p:tnLst>
-      <p:par>
-        <p:cTn id="1" dur="indefinite" restart="never" nodeType="tmRoot"/>
-      </p:par>
-    </p:tnLst>
-  </p:timing>
 </p:sld>
 </file>
 
-<file path=ppt/slides/slide5.xml><?xml version="1.0" encoding="utf-8"?>
+<file path=ppt/slides/slide6.xml><?xml version="1.0" encoding="utf-8"?>
+<p:sld xmlns:a="http://schemas.openxmlformats.org/drawingml/2006/main" xmlns:r="http://schemas.openxmlformats.org/officeDocument/2006/relationships" xmlns:p="http://schemas.openxmlformats.org/presentationml/2006/main">
+  <p:cSld>
+    <p:spTree>
+      <p:nvGrpSpPr>
+        <p:cNvPr id="1" name=""/>
+        <p:cNvGrpSpPr/>
+        <p:nvPr/>
+      </p:nvGrpSpPr>
+      <p:grpSpPr>
+        <a:xfrm>
+          <a:off x="0" y="0"/>
+          <a:ext cx="0" cy="0"/>
+          <a:chOff x="0" y="0"/>
+          <a:chExt cx="0" cy="0"/>
+        </a:xfrm>
+      </p:grpSpPr>
+      <p:sp>
+        <p:nvSpPr>
+          <p:cNvPr id="2" name="Title 1">
+            <a:extLst>
+              <a:ext uri="{FF2B5EF4-FFF2-40B4-BE49-F238E27FC236}">
+                <a16:creationId xmlns:a16="http://schemas.microsoft.com/office/drawing/2014/main" id="{8E9477EC-F484-4BFF-9A7C-CFA692B4A230}"/>
+              </a:ext>
+            </a:extLst>
+          </p:cNvPr>
+          <p:cNvSpPr>
+            <a:spLocks noGrp="1"/>
+          </p:cNvSpPr>
+          <p:nvPr>
+            <p:ph type="title"/>
+          </p:nvPr>
+        </p:nvSpPr>
+        <p:spPr/>
+        <p:txBody>
+          <a:bodyPr/>
+          <a:lstStyle/>
+          <a:p>
+            <a:r>
+              <a:rPr lang="en-US" dirty="0"/>
+              <a:t>Two main types of loops</a:t>
+            </a:r>
+          </a:p>
+        </p:txBody>
+      </p:sp>
+      <p:sp>
+        <p:nvSpPr>
+          <p:cNvPr id="3" name="Content Placeholder 2">
+            <a:extLst>
+              <a:ext uri="{FF2B5EF4-FFF2-40B4-BE49-F238E27FC236}">
+                <a16:creationId xmlns:a16="http://schemas.microsoft.com/office/drawing/2014/main" id="{CFEFB98E-74E0-4ABD-8CFD-6594E53093DC}"/>
+              </a:ext>
+            </a:extLst>
+          </p:cNvPr>
+          <p:cNvSpPr>
+            <a:spLocks noGrp="1"/>
+          </p:cNvSpPr>
+          <p:nvPr>
+            <p:ph idx="1"/>
+          </p:nvPr>
+        </p:nvSpPr>
+        <p:spPr/>
+        <p:txBody>
+          <a:bodyPr/>
+          <a:lstStyle/>
+          <a:p>
+            <a:r>
+              <a:rPr lang="en-US" dirty="0"/>
+              <a:t>For loop</a:t>
+            </a:r>
+          </a:p>
+          <a:p>
+            <a:pPr lvl="1"/>
+            <a:r>
+              <a:rPr lang="en-US" dirty="0"/>
+              <a:t>For loops a specified number of times</a:t>
+            </a:r>
+          </a:p>
+          <a:p>
+            <a:pPr lvl="2"/>
+            <a:r>
+              <a:rPr lang="en-US" dirty="0"/>
+              <a:t>10 in our example</a:t>
+            </a:r>
+          </a:p>
+          <a:p>
+            <a:pPr lvl="1"/>
+            <a:r>
+              <a:rPr lang="en-US" dirty="0"/>
+              <a:t>Run the for_loop.py</a:t>
+            </a:r>
+          </a:p>
+          <a:p>
+            <a:r>
+              <a:rPr lang="en-US" dirty="0"/>
+              <a:t>While loop</a:t>
+            </a:r>
+          </a:p>
+          <a:p>
+            <a:pPr lvl="1"/>
+            <a:r>
+              <a:rPr lang="en-US" dirty="0"/>
+              <a:t>While loop runs as long as something is true</a:t>
+            </a:r>
+          </a:p>
+          <a:p>
+            <a:pPr lvl="1"/>
+            <a:r>
+              <a:rPr lang="en-US" dirty="0"/>
+              <a:t>Run the while_loop.py</a:t>
+            </a:r>
+          </a:p>
+        </p:txBody>
+      </p:sp>
+    </p:spTree>
+    <p:extLst>
+      <p:ext uri="{BB962C8B-B14F-4D97-AF65-F5344CB8AC3E}">
+        <p14:creationId xmlns:p14="http://schemas.microsoft.com/office/powerpoint/2010/main" val="1978792358"/>
+      </p:ext>
+    </p:extLst>
+  </p:cSld>
+  <p:clrMapOvr>
+    <a:masterClrMapping/>
+  </p:clrMapOvr>
+</p:sld>
+</file>
+
+<file path=ppt/slides/slide7.xml><?xml version="1.0" encoding="utf-8"?>
 <p:sld xmlns:a="http://schemas.openxmlformats.org/drawingml/2006/main" xmlns:r="http://schemas.openxmlformats.org/officeDocument/2006/relationships" xmlns:p="http://schemas.openxmlformats.org/presentationml/2006/main">
   <p:cSld>
     <p:spTree>
@@ -9955,19 +10289,14 @@
         <p:spPr/>
         <p:txBody>
           <a:bodyPr>
-            <a:normAutofit fontScale="90000"/>
+            <a:normAutofit/>
           </a:bodyPr>
           <a:lstStyle/>
           <a:p>
             <a:r>
-              <a:rPr lang="en-US" dirty="0" smtClean="0"/>
-              <a:t>Build a Fidget Spinner </a:t>
-            </a:r>
-            <a:r>
-              <a:rPr lang="en-US" dirty="0" err="1" smtClean="0"/>
-              <a:t>Spinner</a:t>
-            </a:r>
-            <a:endParaRPr lang="en-US" dirty="0"/>
+              <a:rPr lang="en-US" dirty="0"/>
+              <a:t>Build a Whatever</a:t>
+            </a:r>
           </a:p>
         </p:txBody>
       </p:sp>
@@ -9986,7 +10315,10 @@
           <a:bodyPr/>
           <a:lstStyle/>
           <a:p>
-            <a:endParaRPr lang="en-US"/>
+            <a:r>
+              <a:rPr lang="en-US" dirty="0"/>
+              <a:t>Look at the parts we’ll use</a:t>
+            </a:r>
           </a:p>
         </p:txBody>
       </p:sp>
@@ -10003,7 +10335,7 @@
 </p:sld>
 </file>
 
-<file path=ppt/slides/slide6.xml><?xml version="1.0" encoding="utf-8"?>
+<file path=ppt/slides/slide8.xml><?xml version="1.0" encoding="utf-8"?>
 <p:sld xmlns:a="http://schemas.openxmlformats.org/drawingml/2006/main" xmlns:r="http://schemas.openxmlformats.org/officeDocument/2006/relationships" xmlns:p="http://schemas.openxmlformats.org/presentationml/2006/main">
   <p:cSld>
     <p:spTree>
@@ -10041,10 +10373,9 @@
           <a:lstStyle/>
           <a:p>
             <a:r>
-              <a:rPr lang="en-US" dirty="0" smtClean="0"/>
+              <a:rPr lang="en-US" dirty="0"/>
               <a:t>Homework</a:t>
             </a:r>
-            <a:endParaRPr lang="en-US" dirty="0"/>
           </a:p>
         </p:txBody>
       </p:sp>
@@ -10069,16 +10400,12 @@
           <a:lstStyle/>
           <a:p>
             <a:r>
-              <a:rPr lang="en-US" dirty="0" smtClean="0"/>
-              <a:t>Write a program that </a:t>
-            </a:r>
-            <a:r>
-              <a:rPr lang="en-US" dirty="0" smtClean="0"/>
-              <a:t>uses a loop with an if statement</a:t>
-            </a:r>
-          </a:p>
-          <a:p>
-            <a:endParaRPr lang="en-US" dirty="0" smtClean="0"/>
+              <a:rPr lang="en-US" dirty="0"/>
+              <a:t>Write a program that uses a loop with an if statement</a:t>
+            </a:r>
+          </a:p>
+          <a:p>
+            <a:endParaRPr lang="en-US" dirty="0"/>
           </a:p>
           <a:p>
             <a:endParaRPr lang="en-US" dirty="0"/>
@@ -10110,7 +10437,7 @@
           <a:lstStyle/>
           <a:p>
             <a:r>
-              <a:rPr lang="en-US" dirty="0" smtClean="0">
+              <a:rPr lang="en-US" dirty="0">
                 <a:solidFill>
                   <a:schemeClr val="bg1"/>
                 </a:solidFill>
@@ -10118,7 +10445,7 @@
               <a:t>&gt;&gt;&gt;</a:t>
             </a:r>
             <a:r>
-              <a:rPr lang="en-US" dirty="0" err="1" smtClean="0">
+              <a:rPr lang="en-US" dirty="0" err="1">
                 <a:solidFill>
                   <a:schemeClr val="bg1"/>
                 </a:solidFill>
@@ -10126,7 +10453,7 @@
               <a:t>myage</a:t>
             </a:r>
             <a:r>
-              <a:rPr lang="en-US" dirty="0" smtClean="0">
+              <a:rPr lang="en-US" dirty="0">
                 <a:solidFill>
                   <a:schemeClr val="bg1"/>
                 </a:solidFill>
@@ -10136,18 +10463,13 @@
           </a:p>
           <a:p>
             <a:r>
-              <a:rPr lang="en-US" dirty="0" smtClean="0">
+              <a:rPr lang="en-US" dirty="0">
                 <a:solidFill>
                   <a:schemeClr val="bg1"/>
                 </a:solidFill>
               </a:rPr>
               <a:t>Allie was 0 years ago a long time ago</a:t>
             </a:r>
-            <a:endParaRPr lang="en-US" dirty="0" smtClean="0">
-              <a:solidFill>
-                <a:schemeClr val="bg1"/>
-              </a:solidFill>
-            </a:endParaRPr>
           </a:p>
           <a:p>
             <a:r>
@@ -10156,23 +10478,17 @@
                   <a:schemeClr val="bg1"/>
                 </a:solidFill>
               </a:rPr>
-              <a:t>Allie was </a:t>
-            </a:r>
-            <a:r>
-              <a:rPr lang="en-US" dirty="0" smtClean="0">
-                <a:solidFill>
-                  <a:schemeClr val="bg1"/>
-                </a:solidFill>
-              </a:rPr>
-              <a:t>1 </a:t>
-            </a:r>
+              <a:t>Allie was 1 years ago a long time ago</a:t>
+            </a:r>
+          </a:p>
+          <a:p>
             <a:r>
               <a:rPr lang="en-US" dirty="0">
                 <a:solidFill>
                   <a:schemeClr val="bg1"/>
                 </a:solidFill>
               </a:rPr>
-              <a:t>years ago a long time ago</a:t>
+              <a:t>Allie was 2 years ago a long time ago</a:t>
             </a:r>
           </a:p>
           <a:p>
@@ -10182,23 +10498,17 @@
                   <a:schemeClr val="bg1"/>
                 </a:solidFill>
               </a:rPr>
-              <a:t>Allie was </a:t>
-            </a:r>
-            <a:r>
-              <a:rPr lang="en-US" dirty="0" smtClean="0">
-                <a:solidFill>
-                  <a:schemeClr val="bg1"/>
-                </a:solidFill>
-              </a:rPr>
-              <a:t>2 </a:t>
-            </a:r>
+              <a:t>Allie was 3 years ago a long time ago</a:t>
+            </a:r>
+          </a:p>
+          <a:p>
             <a:r>
               <a:rPr lang="en-US" dirty="0">
                 <a:solidFill>
                   <a:schemeClr val="bg1"/>
                 </a:solidFill>
               </a:rPr>
-              <a:t>years ago a long time ago</a:t>
+              <a:t>Allie was 4 years ago a long time ago</a:t>
             </a:r>
           </a:p>
           <a:p>
@@ -10208,23 +10518,17 @@
                   <a:schemeClr val="bg1"/>
                 </a:solidFill>
               </a:rPr>
-              <a:t>Allie was </a:t>
-            </a:r>
-            <a:r>
-              <a:rPr lang="en-US" dirty="0" smtClean="0">
-                <a:solidFill>
-                  <a:schemeClr val="bg1"/>
-                </a:solidFill>
-              </a:rPr>
-              <a:t>3 </a:t>
-            </a:r>
+              <a:t>Allie was 5 years ago a long time ago</a:t>
+            </a:r>
+          </a:p>
+          <a:p>
             <a:r>
               <a:rPr lang="en-US" dirty="0">
                 <a:solidFill>
                   <a:schemeClr val="bg1"/>
                 </a:solidFill>
               </a:rPr>
-              <a:t>years ago a long time ago</a:t>
+              <a:t>Allie was 6 years ago a long time ago</a:t>
             </a:r>
           </a:p>
           <a:p>
@@ -10234,23 +10538,17 @@
                   <a:schemeClr val="bg1"/>
                 </a:solidFill>
               </a:rPr>
-              <a:t>Allie was </a:t>
-            </a:r>
-            <a:r>
-              <a:rPr lang="en-US" dirty="0" smtClean="0">
-                <a:solidFill>
-                  <a:schemeClr val="bg1"/>
-                </a:solidFill>
-              </a:rPr>
-              <a:t>4 </a:t>
-            </a:r>
+              <a:t>Allie was 7 years ago a long time ago</a:t>
+            </a:r>
+          </a:p>
+          <a:p>
             <a:r>
               <a:rPr lang="en-US" dirty="0">
                 <a:solidFill>
                   <a:schemeClr val="bg1"/>
                 </a:solidFill>
               </a:rPr>
-              <a:t>years ago a long time ago</a:t>
+              <a:t>Allie was 8 years ago a long time ago</a:t>
             </a:r>
           </a:p>
           <a:p>
@@ -10260,23 +10558,17 @@
                   <a:schemeClr val="bg1"/>
                 </a:solidFill>
               </a:rPr>
-              <a:t>Allie was </a:t>
-            </a:r>
-            <a:r>
-              <a:rPr lang="en-US" dirty="0" smtClean="0">
-                <a:solidFill>
-                  <a:schemeClr val="bg1"/>
-                </a:solidFill>
-              </a:rPr>
-              <a:t>5 </a:t>
-            </a:r>
+              <a:t>Allie was 9 years ago a long time ago</a:t>
+            </a:r>
+          </a:p>
+          <a:p>
             <a:r>
               <a:rPr lang="en-US" dirty="0">
                 <a:solidFill>
                   <a:schemeClr val="bg1"/>
                 </a:solidFill>
               </a:rPr>
-              <a:t>years ago a long time ago</a:t>
+              <a:t>Allie was 10 years ago a long time ago</a:t>
             </a:r>
           </a:p>
           <a:p>
@@ -10286,138 +10578,10 @@
                   <a:schemeClr val="bg1"/>
                 </a:solidFill>
               </a:rPr>
-              <a:t>Allie was </a:t>
-            </a:r>
-            <a:r>
-              <a:rPr lang="en-US" dirty="0" smtClean="0">
-                <a:solidFill>
-                  <a:schemeClr val="bg1"/>
-                </a:solidFill>
-              </a:rPr>
-              <a:t>6 </a:t>
-            </a:r>
-            <a:r>
-              <a:rPr lang="en-US" dirty="0">
-                <a:solidFill>
-                  <a:schemeClr val="bg1"/>
-                </a:solidFill>
-              </a:rPr>
-              <a:t>years ago a long time ago</a:t>
-            </a:r>
-          </a:p>
-          <a:p>
-            <a:r>
-              <a:rPr lang="en-US" dirty="0">
-                <a:solidFill>
-                  <a:schemeClr val="bg1"/>
-                </a:solidFill>
-              </a:rPr>
-              <a:t>Allie was </a:t>
-            </a:r>
-            <a:r>
-              <a:rPr lang="en-US" dirty="0" smtClean="0">
-                <a:solidFill>
-                  <a:schemeClr val="bg1"/>
-                </a:solidFill>
-              </a:rPr>
-              <a:t>7 </a:t>
-            </a:r>
-            <a:r>
-              <a:rPr lang="en-US" dirty="0">
-                <a:solidFill>
-                  <a:schemeClr val="bg1"/>
-                </a:solidFill>
-              </a:rPr>
-              <a:t>years ago a long time ago</a:t>
-            </a:r>
-          </a:p>
-          <a:p>
-            <a:r>
-              <a:rPr lang="en-US" dirty="0">
-                <a:solidFill>
-                  <a:schemeClr val="bg1"/>
-                </a:solidFill>
-              </a:rPr>
-              <a:t>Allie was </a:t>
-            </a:r>
-            <a:r>
-              <a:rPr lang="en-US" dirty="0" smtClean="0">
-                <a:solidFill>
-                  <a:schemeClr val="bg1"/>
-                </a:solidFill>
-              </a:rPr>
-              <a:t>8 </a:t>
-            </a:r>
-            <a:r>
-              <a:rPr lang="en-US" dirty="0">
-                <a:solidFill>
-                  <a:schemeClr val="bg1"/>
-                </a:solidFill>
-              </a:rPr>
-              <a:t>years ago a long time ago</a:t>
-            </a:r>
-          </a:p>
-          <a:p>
-            <a:r>
-              <a:rPr lang="en-US" dirty="0">
-                <a:solidFill>
-                  <a:schemeClr val="bg1"/>
-                </a:solidFill>
-              </a:rPr>
-              <a:t>Allie was </a:t>
-            </a:r>
-            <a:r>
-              <a:rPr lang="en-US" dirty="0" smtClean="0">
-                <a:solidFill>
-                  <a:schemeClr val="bg1"/>
-                </a:solidFill>
-              </a:rPr>
-              <a:t>9 </a:t>
-            </a:r>
-            <a:r>
-              <a:rPr lang="en-US" dirty="0">
-                <a:solidFill>
-                  <a:schemeClr val="bg1"/>
-                </a:solidFill>
-              </a:rPr>
-              <a:t>years ago a long time ago</a:t>
-            </a:r>
-          </a:p>
-          <a:p>
-            <a:r>
-              <a:rPr lang="en-US" dirty="0">
-                <a:solidFill>
-                  <a:schemeClr val="bg1"/>
-                </a:solidFill>
-              </a:rPr>
-              <a:t>Allie was </a:t>
-            </a:r>
-            <a:r>
-              <a:rPr lang="en-US" dirty="0" smtClean="0">
-                <a:solidFill>
-                  <a:schemeClr val="bg1"/>
-                </a:solidFill>
-              </a:rPr>
-              <a:t>10 </a:t>
-            </a:r>
-            <a:r>
-              <a:rPr lang="en-US" dirty="0">
-                <a:solidFill>
-                  <a:schemeClr val="bg1"/>
-                </a:solidFill>
-              </a:rPr>
-              <a:t>years ago a long time ago</a:t>
-            </a:r>
-          </a:p>
-          <a:p>
-            <a:r>
-              <a:rPr lang="en-US" dirty="0" smtClean="0">
-                <a:solidFill>
-                  <a:schemeClr val="bg1"/>
-                </a:solidFill>
-              </a:rPr>
               <a:t>Allie is 11 today!</a:t>
             </a:r>
+          </a:p>
+          <a:p>
             <a:endParaRPr lang="en-US" dirty="0">
               <a:solidFill>
                 <a:schemeClr val="bg1"/>
@@ -10425,21 +10589,14 @@
             </a:endParaRPr>
           </a:p>
           <a:p>
-            <a:endParaRPr lang="en-US" dirty="0" smtClean="0">
+            <a:endParaRPr lang="en-US" dirty="0">
               <a:solidFill>
                 <a:schemeClr val="bg1"/>
               </a:solidFill>
             </a:endParaRPr>
           </a:p>
           <a:p>
-            <a:endParaRPr lang="en-US" dirty="0" smtClean="0">
-              <a:solidFill>
-                <a:schemeClr val="bg1"/>
-              </a:solidFill>
-            </a:endParaRPr>
-          </a:p>
-          <a:p>
-            <a:endParaRPr lang="en-US" dirty="0" smtClean="0">
+            <a:endParaRPr lang="en-US" dirty="0">
               <a:solidFill>
                 <a:schemeClr val="bg1"/>
               </a:solidFill>
@@ -10457,17 +10614,10 @@
   <p:clrMapOvr>
     <a:masterClrMapping/>
   </p:clrMapOvr>
-  <p:timing>
-    <p:tnLst>
-      <p:par>
-        <p:cTn id="1" dur="indefinite" restart="never" nodeType="tmRoot"/>
-      </p:par>
-    </p:tnLst>
-  </p:timing>
 </p:sld>
 </file>
 
-<file path=ppt/slides/slide7.xml><?xml version="1.0" encoding="utf-8"?>
+<file path=ppt/slides/slide9.xml><?xml version="1.0" encoding="utf-8"?>
 <p:sld xmlns:a="http://schemas.openxmlformats.org/drawingml/2006/main" xmlns:r="http://schemas.openxmlformats.org/officeDocument/2006/relationships" xmlns:p="http://schemas.openxmlformats.org/presentationml/2006/main">
   <p:cSld>
     <p:spTree>
@@ -10500,11 +10650,11 @@
           <a:lstStyle/>
           <a:p>
             <a:r>
-              <a:rPr lang="en-US" dirty="0" smtClean="0"/>
+              <a:rPr lang="en-US" dirty="0"/>
               <a:t>Next</a:t>
             </a:r>
             <a:r>
-              <a:rPr lang="en-US" baseline="0" dirty="0" smtClean="0"/>
+              <a:rPr lang="en-US" baseline="0" dirty="0"/>
               <a:t> Meeting</a:t>
             </a:r>
             <a:endParaRPr lang="en-US" dirty="0"/>
@@ -10527,14 +10677,13 @@
           <a:lstStyle/>
           <a:p>
             <a:r>
-              <a:rPr lang="en-US" dirty="0" smtClean="0"/>
+              <a:rPr lang="en-US" dirty="0"/>
               <a:t>Loops 2</a:t>
             </a:r>
-            <a:endParaRPr lang="en-US" dirty="0" smtClean="0"/>
-          </a:p>
-          <a:p>
-            <a:r>
-              <a:rPr lang="en-US" dirty="0" smtClean="0"/>
+          </a:p>
+          <a:p>
+            <a:r>
+              <a:rPr lang="en-US" dirty="0"/>
               <a:t>Using a switch</a:t>
             </a:r>
           </a:p>
@@ -10550,13 +10699,6 @@
   <p:clrMapOvr>
     <a:masterClrMapping/>
   </p:clrMapOvr>
-  <p:timing>
-    <p:tnLst>
-      <p:par>
-        <p:cTn id="1" dur="indefinite" restart="never" nodeType="tmRoot"/>
-      </p:par>
-    </p:tnLst>
-  </p:timing>
 </p:sld>
 </file>
 
